--- a/images/AdaSTFT.pptx
+++ b/images/AdaSTFT.pptx
@@ -11,7 +11,8 @@
     <p:sldId id="259" r:id="rId5"/>
     <p:sldId id="262" r:id="rId6"/>
     <p:sldId id="263" r:id="rId7"/>
-    <p:sldId id="264" r:id="rId8"/>
+    <p:sldId id="265" r:id="rId8"/>
+    <p:sldId id="264" r:id="rId9"/>
   </p:sldIdLst>
   <p:sldSz cx="12192000" cy="6858000"/>
   <p:notesSz cx="6858000" cy="9144000"/>
@@ -110,6 +111,11 @@
       </a:defRPr>
     </a:lvl9pPr>
   </p:defaultTextStyle>
+  <p:extLst>
+    <p:ext uri="{EFAFB233-063F-42B5-8137-9DF3F51BA10A}">
+      <p15:sldGuideLst xmlns:p15="http://schemas.microsoft.com/office/powerpoint/2012/main"/>
+    </p:ext>
+  </p:extLst>
 </p:presentation>
 </file>
 
@@ -1276,8 +1282,8 @@
           </a:p>
         </p:txBody>
       </p:sp>
-      <mc:AlternateContent xmlns:mc="http://schemas.openxmlformats.org/markup-compatibility/2006">
-        <mc:Choice xmlns:a14="http://schemas.microsoft.com/office/drawing/2010/main" Requires="a14">
+      <mc:AlternateContent xmlns:mc="http://schemas.openxmlformats.org/markup-compatibility/2006" xmlns:a14="http://schemas.microsoft.com/office/drawing/2010/main">
+        <mc:Choice Requires="a14">
           <p:sp>
             <p:nvSpPr>
               <p:cNvPr id="3" name="Content Placeholder 2">
@@ -1450,7 +1456,7 @@
             </p:txBody>
           </p:sp>
         </mc:Choice>
-        <mc:Fallback>
+        <mc:Fallback xmlns="">
           <p:sp>
             <p:nvSpPr>
               <p:cNvPr id="3" name="Content Placeholder 2">
@@ -1540,7 +1546,7 @@
         </p:blipFill>
         <p:spPr>
           <a:xfrm>
-            <a:off x="310231" y="4710017"/>
+            <a:off x="310231" y="4710018"/>
             <a:ext cx="4693090" cy="577969"/>
           </a:xfrm>
           <a:prstGeom prst="rect">
@@ -1739,8 +1745,8 @@
           </a:p>
         </p:txBody>
       </p:sp>
-      <mc:AlternateContent xmlns:mc="http://schemas.openxmlformats.org/markup-compatibility/2006">
-        <mc:Choice xmlns:a14="http://schemas.microsoft.com/office/drawing/2010/main" Requires="a14">
+      <mc:AlternateContent xmlns:mc="http://schemas.openxmlformats.org/markup-compatibility/2006" xmlns:a14="http://schemas.microsoft.com/office/drawing/2010/main">
+        <mc:Choice Requires="a14">
           <p:sp>
             <p:nvSpPr>
               <p:cNvPr id="3" name="Content Placeholder 2">
@@ -2044,7 +2050,7 @@
             </p:txBody>
           </p:sp>
         </mc:Choice>
-        <mc:Fallback>
+        <mc:Fallback xmlns="">
           <p:sp>
             <p:nvSpPr>
               <p:cNvPr id="3" name="Content Placeholder 2">
@@ -2766,6 +2772,379 @@
 </file>
 
 <file path=ppt/slides/slide7.xml><?xml version="1.0" encoding="utf-8"?>
+<p:sld xmlns:a="http://schemas.openxmlformats.org/drawingml/2006/main" xmlns:r="http://schemas.openxmlformats.org/officeDocument/2006/relationships" xmlns:p="http://schemas.openxmlformats.org/presentationml/2006/main">
+  <p:cSld>
+    <p:spTree>
+      <p:nvGrpSpPr>
+        <p:cNvPr id="1" name=""/>
+        <p:cNvGrpSpPr/>
+        <p:nvPr/>
+      </p:nvGrpSpPr>
+      <p:grpSpPr>
+        <a:xfrm>
+          <a:off x="0" y="0"/>
+          <a:ext cx="0" cy="0"/>
+          <a:chOff x="0" y="0"/>
+          <a:chExt cx="0" cy="0"/>
+        </a:xfrm>
+      </p:grpSpPr>
+      <p:sp>
+        <p:nvSpPr>
+          <p:cNvPr id="2" name="Title 1">
+            <a:extLst>
+              <a:ext uri="{FF2B5EF4-FFF2-40B4-BE49-F238E27FC236}">
+                <a16:creationId xmlns:a16="http://schemas.microsoft.com/office/drawing/2014/main" id="{3817CED1-4C79-45BA-956A-A81A35D8D3C8}"/>
+              </a:ext>
+            </a:extLst>
+          </p:cNvPr>
+          <p:cNvSpPr>
+            <a:spLocks noGrp="1"/>
+          </p:cNvSpPr>
+          <p:nvPr>
+            <p:ph type="title"/>
+          </p:nvPr>
+        </p:nvSpPr>
+        <p:spPr/>
+        <p:txBody>
+          <a:bodyPr/>
+          <a:lstStyle/>
+          <a:p>
+            <a:r>
+              <a:rPr lang="en-US" dirty="0"/>
+              <a:t>Data set: GTZAN</a:t>
+            </a:r>
+            <a:endParaRPr lang="en-IL" dirty="0"/>
+          </a:p>
+        </p:txBody>
+      </p:sp>
+      <p:sp>
+        <p:nvSpPr>
+          <p:cNvPr id="3" name="Content Placeholder 2">
+            <a:extLst>
+              <a:ext uri="{FF2B5EF4-FFF2-40B4-BE49-F238E27FC236}">
+                <a16:creationId xmlns:a16="http://schemas.microsoft.com/office/drawing/2014/main" id="{BE1ADC9F-8728-40CE-BD39-E8A92A9C1AA7}"/>
+              </a:ext>
+            </a:extLst>
+          </p:cNvPr>
+          <p:cNvSpPr>
+            <a:spLocks noGrp="1"/>
+          </p:cNvSpPr>
+          <p:nvPr>
+            <p:ph idx="1"/>
+          </p:nvPr>
+        </p:nvSpPr>
+        <p:spPr/>
+        <p:txBody>
+          <a:bodyPr/>
+          <a:lstStyle/>
+          <a:p>
+            <a:r>
+              <a:rPr lang="en-US" dirty="0"/>
+              <a:t>10 classes, 100 audio samples per class</a:t>
+            </a:r>
+          </a:p>
+          <a:p>
+            <a:r>
+              <a:rPr lang="en-US" dirty="0"/>
+              <a:t>To enlarge the data set, each sample was split into equal parts</a:t>
+            </a:r>
+          </a:p>
+          <a:p>
+            <a:r>
+              <a:rPr lang="en-US" dirty="0"/>
+              <a:t>For evaluation, the prediction for the complete sample was decided by major vote for each part’s prediction</a:t>
+            </a:r>
+            <a:endParaRPr lang="en-IL" dirty="0"/>
+          </a:p>
+        </p:txBody>
+      </p:sp>
+      <p:grpSp>
+        <p:nvGrpSpPr>
+          <p:cNvPr id="11" name="Group 10">
+            <a:extLst>
+              <a:ext uri="{FF2B5EF4-FFF2-40B4-BE49-F238E27FC236}">
+                <a16:creationId xmlns:a16="http://schemas.microsoft.com/office/drawing/2014/main" id="{04682E99-6060-4469-A75B-71CDD89080C8}"/>
+              </a:ext>
+            </a:extLst>
+          </p:cNvPr>
+          <p:cNvGrpSpPr/>
+          <p:nvPr/>
+        </p:nvGrpSpPr>
+        <p:grpSpPr>
+          <a:xfrm>
+            <a:off x="1406714" y="4352826"/>
+            <a:ext cx="9383333" cy="1155005"/>
+            <a:chOff x="1406714" y="4352826"/>
+            <a:chExt cx="9383333" cy="1155005"/>
+          </a:xfrm>
+        </p:grpSpPr>
+        <p:pic>
+          <p:nvPicPr>
+            <p:cNvPr id="4" name="Picture 3">
+              <a:extLst>
+                <a:ext uri="{FF2B5EF4-FFF2-40B4-BE49-F238E27FC236}">
+                  <a16:creationId xmlns:a16="http://schemas.microsoft.com/office/drawing/2014/main" id="{313F31B6-AF79-4F26-9AF4-C24C54D7A722}"/>
+                </a:ext>
+              </a:extLst>
+            </p:cNvPr>
+            <p:cNvPicPr>
+              <a:picLocks noChangeAspect="1"/>
+            </p:cNvPicPr>
+            <p:nvPr/>
+          </p:nvPicPr>
+          <p:blipFill rotWithShape="1">
+            <a:blip r:embed="rId2"/>
+            <a:srcRect l="15659" t="13125" r="14576" b="15000"/>
+            <a:stretch/>
+          </p:blipFill>
+          <p:spPr>
+            <a:xfrm>
+              <a:off x="1406714" y="4352830"/>
+              <a:ext cx="9378571" cy="1155001"/>
+            </a:xfrm>
+            <a:prstGeom prst="rect">
+              <a:avLst/>
+            </a:prstGeom>
+          </p:spPr>
+        </p:pic>
+        <p:cxnSp>
+          <p:nvCxnSpPr>
+            <p:cNvPr id="6" name="Straight Connector 5">
+              <a:extLst>
+                <a:ext uri="{FF2B5EF4-FFF2-40B4-BE49-F238E27FC236}">
+                  <a16:creationId xmlns:a16="http://schemas.microsoft.com/office/drawing/2014/main" id="{3C302A0B-2E25-48EC-97A9-76E51D2AE1AA}"/>
+                </a:ext>
+              </a:extLst>
+            </p:cNvPr>
+            <p:cNvCxnSpPr>
+              <a:stCxn id="4" idx="0"/>
+              <a:endCxn id="4" idx="2"/>
+            </p:cNvCxnSpPr>
+            <p:nvPr/>
+          </p:nvCxnSpPr>
+          <p:spPr>
+            <a:xfrm>
+              <a:off x="6096000" y="4352830"/>
+              <a:ext cx="0" cy="1155001"/>
+            </a:xfrm>
+            <a:prstGeom prst="line">
+              <a:avLst/>
+            </a:prstGeom>
+            <a:ln w="76200">
+              <a:solidFill>
+                <a:schemeClr val="accent4">
+                  <a:lumMod val="75000"/>
+                </a:schemeClr>
+              </a:solidFill>
+              <a:prstDash val="sysDot"/>
+            </a:ln>
+          </p:spPr>
+          <p:style>
+            <a:lnRef idx="1">
+              <a:schemeClr val="accent1"/>
+            </a:lnRef>
+            <a:fillRef idx="0">
+              <a:schemeClr val="accent1"/>
+            </a:fillRef>
+            <a:effectRef idx="0">
+              <a:schemeClr val="accent1"/>
+            </a:effectRef>
+            <a:fontRef idx="minor">
+              <a:schemeClr val="tx1"/>
+            </a:fontRef>
+          </p:style>
+        </p:cxnSp>
+        <p:cxnSp>
+          <p:nvCxnSpPr>
+            <p:cNvPr id="7" name="Straight Connector 6">
+              <a:extLst>
+                <a:ext uri="{FF2B5EF4-FFF2-40B4-BE49-F238E27FC236}">
+                  <a16:creationId xmlns:a16="http://schemas.microsoft.com/office/drawing/2014/main" id="{3885D510-297B-4992-B07A-1B3BD2010DF8}"/>
+                </a:ext>
+              </a:extLst>
+            </p:cNvPr>
+            <p:cNvCxnSpPr/>
+            <p:nvPr/>
+          </p:nvCxnSpPr>
+          <p:spPr>
+            <a:xfrm>
+              <a:off x="10790047" y="4352829"/>
+              <a:ext cx="0" cy="1155001"/>
+            </a:xfrm>
+            <a:prstGeom prst="line">
+              <a:avLst/>
+            </a:prstGeom>
+            <a:ln w="76200">
+              <a:solidFill>
+                <a:schemeClr val="accent4">
+                  <a:lumMod val="75000"/>
+                </a:schemeClr>
+              </a:solidFill>
+              <a:prstDash val="sysDot"/>
+            </a:ln>
+          </p:spPr>
+          <p:style>
+            <a:lnRef idx="1">
+              <a:schemeClr val="accent1"/>
+            </a:lnRef>
+            <a:fillRef idx="0">
+              <a:schemeClr val="accent1"/>
+            </a:fillRef>
+            <a:effectRef idx="0">
+              <a:schemeClr val="accent1"/>
+            </a:effectRef>
+            <a:fontRef idx="minor">
+              <a:schemeClr val="tx1"/>
+            </a:fontRef>
+          </p:style>
+        </p:cxnSp>
+        <p:cxnSp>
+          <p:nvCxnSpPr>
+            <p:cNvPr id="8" name="Straight Connector 7">
+              <a:extLst>
+                <a:ext uri="{FF2B5EF4-FFF2-40B4-BE49-F238E27FC236}">
+                  <a16:creationId xmlns:a16="http://schemas.microsoft.com/office/drawing/2014/main" id="{493533FF-1181-49B0-9EAE-3F1848DD068B}"/>
+                </a:ext>
+              </a:extLst>
+            </p:cNvPr>
+            <p:cNvCxnSpPr/>
+            <p:nvPr/>
+          </p:nvCxnSpPr>
+          <p:spPr>
+            <a:xfrm>
+              <a:off x="8353248" y="4352828"/>
+              <a:ext cx="0" cy="1155001"/>
+            </a:xfrm>
+            <a:prstGeom prst="line">
+              <a:avLst/>
+            </a:prstGeom>
+            <a:ln w="76200">
+              <a:solidFill>
+                <a:schemeClr val="accent4">
+                  <a:lumMod val="75000"/>
+                </a:schemeClr>
+              </a:solidFill>
+              <a:prstDash val="sysDot"/>
+            </a:ln>
+          </p:spPr>
+          <p:style>
+            <a:lnRef idx="1">
+              <a:schemeClr val="accent1"/>
+            </a:lnRef>
+            <a:fillRef idx="0">
+              <a:schemeClr val="accent1"/>
+            </a:fillRef>
+            <a:effectRef idx="0">
+              <a:schemeClr val="accent1"/>
+            </a:effectRef>
+            <a:fontRef idx="minor">
+              <a:schemeClr val="tx1"/>
+            </a:fontRef>
+          </p:style>
+        </p:cxnSp>
+        <p:cxnSp>
+          <p:nvCxnSpPr>
+            <p:cNvPr id="9" name="Straight Connector 8">
+              <a:extLst>
+                <a:ext uri="{FF2B5EF4-FFF2-40B4-BE49-F238E27FC236}">
+                  <a16:creationId xmlns:a16="http://schemas.microsoft.com/office/drawing/2014/main" id="{9B241B77-0F55-4E0E-A717-0474C173316A}"/>
+                </a:ext>
+              </a:extLst>
+            </p:cNvPr>
+            <p:cNvCxnSpPr/>
+            <p:nvPr/>
+          </p:nvCxnSpPr>
+          <p:spPr>
+            <a:xfrm>
+              <a:off x="1406714" y="4352827"/>
+              <a:ext cx="0" cy="1155001"/>
+            </a:xfrm>
+            <a:prstGeom prst="line">
+              <a:avLst/>
+            </a:prstGeom>
+            <a:ln w="76200">
+              <a:solidFill>
+                <a:schemeClr val="accent4">
+                  <a:lumMod val="75000"/>
+                </a:schemeClr>
+              </a:solidFill>
+              <a:prstDash val="sysDot"/>
+            </a:ln>
+          </p:spPr>
+          <p:style>
+            <a:lnRef idx="1">
+              <a:schemeClr val="accent1"/>
+            </a:lnRef>
+            <a:fillRef idx="0">
+              <a:schemeClr val="accent1"/>
+            </a:fillRef>
+            <a:effectRef idx="0">
+              <a:schemeClr val="accent1"/>
+            </a:effectRef>
+            <a:fontRef idx="minor">
+              <a:schemeClr val="tx1"/>
+            </a:fontRef>
+          </p:style>
+        </p:cxnSp>
+        <p:cxnSp>
+          <p:nvCxnSpPr>
+            <p:cNvPr id="10" name="Straight Connector 9">
+              <a:extLst>
+                <a:ext uri="{FF2B5EF4-FFF2-40B4-BE49-F238E27FC236}">
+                  <a16:creationId xmlns:a16="http://schemas.microsoft.com/office/drawing/2014/main" id="{1DC26C81-A502-4067-91AE-6A4EBAD3C24D}"/>
+                </a:ext>
+              </a:extLst>
+            </p:cNvPr>
+            <p:cNvCxnSpPr/>
+            <p:nvPr/>
+          </p:nvCxnSpPr>
+          <p:spPr>
+            <a:xfrm>
+              <a:off x="3810658" y="4352826"/>
+              <a:ext cx="0" cy="1155001"/>
+            </a:xfrm>
+            <a:prstGeom prst="line">
+              <a:avLst/>
+            </a:prstGeom>
+            <a:ln w="76200">
+              <a:solidFill>
+                <a:schemeClr val="accent4">
+                  <a:lumMod val="75000"/>
+                </a:schemeClr>
+              </a:solidFill>
+              <a:prstDash val="sysDot"/>
+            </a:ln>
+          </p:spPr>
+          <p:style>
+            <a:lnRef idx="1">
+              <a:schemeClr val="accent1"/>
+            </a:lnRef>
+            <a:fillRef idx="0">
+              <a:schemeClr val="accent1"/>
+            </a:fillRef>
+            <a:effectRef idx="0">
+              <a:schemeClr val="accent1"/>
+            </a:effectRef>
+            <a:fontRef idx="minor">
+              <a:schemeClr val="tx1"/>
+            </a:fontRef>
+          </p:style>
+        </p:cxnSp>
+      </p:grpSp>
+    </p:spTree>
+    <p:extLst>
+      <p:ext uri="{BB962C8B-B14F-4D97-AF65-F5344CB8AC3E}">
+        <p14:creationId xmlns:p14="http://schemas.microsoft.com/office/powerpoint/2010/main" val="4197076094"/>
+      </p:ext>
+    </p:extLst>
+  </p:cSld>
+  <p:clrMapOvr>
+    <a:masterClrMapping/>
+  </p:clrMapOvr>
+</p:sld>
+</file>
+
+<file path=ppt/slides/slide8.xml><?xml version="1.0" encoding="utf-8"?>
 <p:sld xmlns:a="http://schemas.openxmlformats.org/drawingml/2006/main" xmlns:r="http://schemas.openxmlformats.org/officeDocument/2006/relationships" xmlns:p="http://schemas.openxmlformats.org/presentationml/2006/main">
   <p:cSld>
     <p:spTree>

--- a/images/AdaSTFT.pptx
+++ b/images/AdaSTFT.pptx
@@ -7,12 +7,13 @@
   <p:sldIdLst>
     <p:sldId id="256" r:id="rId2"/>
     <p:sldId id="257" r:id="rId3"/>
-    <p:sldId id="261" r:id="rId4"/>
-    <p:sldId id="259" r:id="rId5"/>
-    <p:sldId id="262" r:id="rId6"/>
-    <p:sldId id="263" r:id="rId7"/>
-    <p:sldId id="265" r:id="rId8"/>
-    <p:sldId id="264" r:id="rId9"/>
+    <p:sldId id="266" r:id="rId4"/>
+    <p:sldId id="261" r:id="rId5"/>
+    <p:sldId id="259" r:id="rId6"/>
+    <p:sldId id="262" r:id="rId7"/>
+    <p:sldId id="263" r:id="rId8"/>
+    <p:sldId id="265" r:id="rId9"/>
+    <p:sldId id="264" r:id="rId10"/>
   </p:sldIdLst>
   <p:sldSz cx="12192000" cy="6858000"/>
   <p:notesSz cx="6858000" cy="9144000"/>
@@ -1201,21 +1202,6 @@
             </a:endParaRPr>
           </a:p>
           <a:p>
-            <a:r>
-              <a:rPr lang="en-US" altLang="en-IL" dirty="0">
-                <a:latin typeface="JetBrains Mono"/>
-              </a:rPr>
-              <a:t>Since 1D music classifying is a though assignments, many have approached this task with 2D image classifiers, on the audio file spectrogram</a:t>
-            </a:r>
-            <a:endParaRPr kumimoji="0" lang="en-IL" altLang="en-IL" sz="3200" b="0" i="0" u="none" strike="noStrike" cap="none" normalizeH="0" baseline="0" dirty="0">
-              <a:ln>
-                <a:noFill/>
-              </a:ln>
-              <a:effectLst/>
-              <a:latin typeface="Arial" panose="020B0604020202020204" pitchFamily="34" charset="0"/>
-            </a:endParaRPr>
-          </a:p>
-          <a:p>
             <a:endParaRPr lang="en-US" dirty="0"/>
           </a:p>
           <a:p>
@@ -1237,6 +1223,127 @@
 </file>
 
 <file path=ppt/slides/slide3.xml><?xml version="1.0" encoding="utf-8"?>
+<p:sld xmlns:a="http://schemas.openxmlformats.org/drawingml/2006/main" xmlns:r="http://schemas.openxmlformats.org/officeDocument/2006/relationships" xmlns:p="http://schemas.openxmlformats.org/presentationml/2006/main">
+  <p:cSld>
+    <p:spTree>
+      <p:nvGrpSpPr>
+        <p:cNvPr id="1" name=""/>
+        <p:cNvGrpSpPr/>
+        <p:nvPr/>
+      </p:nvGrpSpPr>
+      <p:grpSpPr>
+        <a:xfrm>
+          <a:off x="0" y="0"/>
+          <a:ext cx="0" cy="0"/>
+          <a:chOff x="0" y="0"/>
+          <a:chExt cx="0" cy="0"/>
+        </a:xfrm>
+      </p:grpSpPr>
+      <p:sp>
+        <p:nvSpPr>
+          <p:cNvPr id="2" name="Title 1">
+            <a:extLst>
+              <a:ext uri="{FF2B5EF4-FFF2-40B4-BE49-F238E27FC236}">
+                <a16:creationId xmlns:a16="http://schemas.microsoft.com/office/drawing/2014/main" id="{99434DFC-7F77-4BF3-AB8B-C5FED3541502}"/>
+              </a:ext>
+            </a:extLst>
+          </p:cNvPr>
+          <p:cNvSpPr>
+            <a:spLocks noGrp="1"/>
+          </p:cNvSpPr>
+          <p:nvPr>
+            <p:ph type="title"/>
+          </p:nvPr>
+        </p:nvSpPr>
+        <p:spPr/>
+        <p:txBody>
+          <a:bodyPr/>
+          <a:lstStyle/>
+          <a:p>
+            <a:r>
+              <a:rPr lang="en-US" dirty="0"/>
+              <a:t>Previous work</a:t>
+            </a:r>
+            <a:endParaRPr lang="en-IL" dirty="0"/>
+          </a:p>
+        </p:txBody>
+      </p:sp>
+      <p:sp>
+        <p:nvSpPr>
+          <p:cNvPr id="3" name="Content Placeholder 2">
+            <a:extLst>
+              <a:ext uri="{FF2B5EF4-FFF2-40B4-BE49-F238E27FC236}">
+                <a16:creationId xmlns:a16="http://schemas.microsoft.com/office/drawing/2014/main" id="{992A071F-8A41-44D5-ACA9-DF40A073D52D}"/>
+              </a:ext>
+            </a:extLst>
+          </p:cNvPr>
+          <p:cNvSpPr>
+            <a:spLocks noGrp="1"/>
+          </p:cNvSpPr>
+          <p:nvPr>
+            <p:ph idx="1"/>
+          </p:nvPr>
+        </p:nvSpPr>
+        <p:spPr/>
+        <p:txBody>
+          <a:bodyPr>
+            <a:normAutofit/>
+          </a:bodyPr>
+          <a:lstStyle/>
+          <a:p>
+            <a:r>
+              <a:rPr lang="en-US" altLang="en-IL" dirty="0">
+                <a:latin typeface="JetBrains Mono"/>
+              </a:rPr>
+              <a:t>Since 1D music classifying is a tough assignments, many have approached this task with 2D image classifiers, on the audio file spectrogram</a:t>
+            </a:r>
+          </a:p>
+          <a:p>
+            <a:r>
+              <a:rPr kumimoji="0" lang="en-US" altLang="en-IL" b="0" i="0" u="none" strike="noStrike" cap="none" normalizeH="0" baseline="0" dirty="0">
+                <a:ln>
+                  <a:noFill/>
+                </a:ln>
+                <a:effectLst/>
+                <a:latin typeface="JetBrains Mono"/>
+              </a:rPr>
+              <a:t>Many solutions to genre classification use a variety of 2D features and augmentation.</a:t>
+            </a:r>
+          </a:p>
+          <a:p>
+            <a:r>
+              <a:rPr lang="en-US" altLang="en-IL" dirty="0">
+                <a:latin typeface="JetBrains Mono"/>
+              </a:rPr>
+              <a:t>We have decided to focus on improving the STFT feature and use only augmentations that do not drastically change the STFT.</a:t>
+            </a:r>
+            <a:endParaRPr kumimoji="0" lang="en-IL" altLang="en-IL" b="0" i="0" u="none" strike="noStrike" cap="none" normalizeH="0" baseline="0" dirty="0">
+              <a:ln>
+                <a:noFill/>
+              </a:ln>
+              <a:effectLst/>
+              <a:latin typeface="Arial" panose="020B0604020202020204" pitchFamily="34" charset="0"/>
+            </a:endParaRPr>
+          </a:p>
+          <a:p>
+            <a:endParaRPr lang="en-IL" dirty="0"/>
+          </a:p>
+        </p:txBody>
+      </p:sp>
+    </p:spTree>
+    <p:extLst>
+      <p:ext uri="{BB962C8B-B14F-4D97-AF65-F5344CB8AC3E}">
+        <p14:creationId xmlns:p14="http://schemas.microsoft.com/office/powerpoint/2010/main" val="2953784150"/>
+      </p:ext>
+    </p:extLst>
+  </p:cSld>
+  <p:clrMapOvr>
+    <a:masterClrMapping/>
+  </p:clrMapOvr>
+</p:sld>
+</file>
+
+<file path=ppt/slides/slide4.xml><?xml version="1.0" encoding="utf-8"?>
 <p:sld xmlns:a="http://schemas.openxmlformats.org/drawingml/2006/main" xmlns:r="http://schemas.openxmlformats.org/officeDocument/2006/relationships" xmlns:p="http://schemas.openxmlformats.org/presentationml/2006/main">
   <p:cSld>
     <p:spTree>
@@ -1699,7 +1806,7 @@
 </p:sld>
 </file>
 
-<file path=ppt/slides/slide4.xml><?xml version="1.0" encoding="utf-8"?>
+<file path=ppt/slides/slide5.xml><?xml version="1.0" encoding="utf-8"?>
 <p:sld xmlns:a="http://schemas.openxmlformats.org/drawingml/2006/main" xmlns:r="http://schemas.openxmlformats.org/officeDocument/2006/relationships" xmlns:p="http://schemas.openxmlformats.org/presentationml/2006/main">
   <p:cSld>
     <p:spTree>
@@ -2107,7 +2214,7 @@
 </p:sld>
 </file>
 
-<file path=ppt/slides/slide5.xml><?xml version="1.0" encoding="utf-8"?>
+<file path=ppt/slides/slide6.xml><?xml version="1.0" encoding="utf-8"?>
 <p:sld xmlns:a="http://schemas.openxmlformats.org/drawingml/2006/main" xmlns:r="http://schemas.openxmlformats.org/officeDocument/2006/relationships" xmlns:p="http://schemas.openxmlformats.org/presentationml/2006/main">
   <p:cSld>
     <p:spTree>
@@ -2210,7 +2317,7 @@
 </p:sld>
 </file>
 
-<file path=ppt/slides/slide6.xml><?xml version="1.0" encoding="utf-8"?>
+<file path=ppt/slides/slide7.xml><?xml version="1.0" encoding="utf-8"?>
 <p:sld xmlns:a="http://schemas.openxmlformats.org/drawingml/2006/main" xmlns:r="http://schemas.openxmlformats.org/officeDocument/2006/relationships" xmlns:p="http://schemas.openxmlformats.org/presentationml/2006/main">
   <p:cSld>
     <p:spTree>
@@ -2771,7 +2878,7 @@
 </p:sld>
 </file>
 
-<file path=ppt/slides/slide7.xml><?xml version="1.0" encoding="utf-8"?>
+<file path=ppt/slides/slide8.xml><?xml version="1.0" encoding="utf-8"?>
 <p:sld xmlns:a="http://schemas.openxmlformats.org/drawingml/2006/main" xmlns:r="http://schemas.openxmlformats.org/officeDocument/2006/relationships" xmlns:p="http://schemas.openxmlformats.org/presentationml/2006/main">
   <p:cSld>
     <p:spTree>
@@ -3144,7 +3251,7 @@
 </p:sld>
 </file>
 
-<file path=ppt/slides/slide8.xml><?xml version="1.0" encoding="utf-8"?>
+<file path=ppt/slides/slide9.xml><?xml version="1.0" encoding="utf-8"?>
 <p:sld xmlns:a="http://schemas.openxmlformats.org/drawingml/2006/main" xmlns:r="http://schemas.openxmlformats.org/officeDocument/2006/relationships" xmlns:p="http://schemas.openxmlformats.org/presentationml/2006/main">
   <p:cSld>
     <p:spTree>

--- a/images/AdaSTFT.pptx
+++ b/images/AdaSTFT.pptx
@@ -14,6 +14,13 @@
     <p:sldId id="263" r:id="rId8"/>
     <p:sldId id="265" r:id="rId9"/>
     <p:sldId id="264" r:id="rId10"/>
+    <p:sldId id="267" r:id="rId11"/>
+    <p:sldId id="268" r:id="rId12"/>
+    <p:sldId id="269" r:id="rId13"/>
+    <p:sldId id="270" r:id="rId14"/>
+    <p:sldId id="272" r:id="rId15"/>
+    <p:sldId id="274" r:id="rId16"/>
+    <p:sldId id="275" r:id="rId17"/>
   </p:sldIdLst>
   <p:sldSz cx="12192000" cy="6858000"/>
   <p:notesSz cx="6858000" cy="9144000"/>
@@ -552,6 +559,139 @@
 </p:sldLayout>
 </file>
 
+<file path=ppt/slideLayouts/slideLayout3.xml><?xml version="1.0" encoding="utf-8"?>
+<p:sldLayout xmlns:a="http://schemas.openxmlformats.org/drawingml/2006/main" xmlns:r="http://schemas.openxmlformats.org/officeDocument/2006/relationships" xmlns:p="http://schemas.openxmlformats.org/presentationml/2006/main" type="obj" preserve="1">
+  <p:cSld name="1_Title and Content">
+    <p:spTree>
+      <p:nvGrpSpPr>
+        <p:cNvPr id="1" name=""/>
+        <p:cNvGrpSpPr/>
+        <p:nvPr/>
+      </p:nvGrpSpPr>
+      <p:grpSpPr>
+        <a:xfrm>
+          <a:off x="0" y="0"/>
+          <a:ext cx="0" cy="0"/>
+          <a:chOff x="0" y="0"/>
+          <a:chExt cx="0" cy="0"/>
+        </a:xfrm>
+      </p:grpSpPr>
+      <p:sp>
+        <p:nvSpPr>
+          <p:cNvPr id="2" name="Title 1">
+            <a:extLst>
+              <a:ext uri="{FF2B5EF4-FFF2-40B4-BE49-F238E27FC236}">
+                <a16:creationId xmlns:a16="http://schemas.microsoft.com/office/drawing/2014/main" id="{71B0F765-ECC0-4001-B424-94237F6778A2}"/>
+              </a:ext>
+            </a:extLst>
+          </p:cNvPr>
+          <p:cNvSpPr>
+            <a:spLocks noGrp="1"/>
+          </p:cNvSpPr>
+          <p:nvPr>
+            <p:ph type="title"/>
+          </p:nvPr>
+        </p:nvSpPr>
+        <p:spPr>
+          <a:xfrm>
+            <a:off x="838200" y="365125"/>
+            <a:ext cx="10515600" cy="1206499"/>
+          </a:xfrm>
+        </p:spPr>
+        <p:txBody>
+          <a:bodyPr>
+            <a:normAutofit/>
+          </a:bodyPr>
+          <a:lstStyle>
+            <a:lvl1pPr>
+              <a:defRPr sz="5400" b="1"/>
+            </a:lvl1pPr>
+          </a:lstStyle>
+          <a:p>
+            <a:r>
+              <a:rPr lang="en-US"/>
+              <a:t>Click to edit Master title style</a:t>
+            </a:r>
+            <a:endParaRPr lang="en-IL" dirty="0"/>
+          </a:p>
+        </p:txBody>
+      </p:sp>
+      <p:sp>
+        <p:nvSpPr>
+          <p:cNvPr id="3" name="Content Placeholder 2">
+            <a:extLst>
+              <a:ext uri="{FF2B5EF4-FFF2-40B4-BE49-F238E27FC236}">
+                <a16:creationId xmlns:a16="http://schemas.microsoft.com/office/drawing/2014/main" id="{2065EBC7-94FB-430E-9251-7B01C8F23ED6}"/>
+              </a:ext>
+            </a:extLst>
+          </p:cNvPr>
+          <p:cNvSpPr>
+            <a:spLocks noGrp="1"/>
+          </p:cNvSpPr>
+          <p:nvPr>
+            <p:ph idx="1"/>
+          </p:nvPr>
+        </p:nvSpPr>
+        <p:spPr>
+          <a:xfrm>
+            <a:off x="838200" y="1743075"/>
+            <a:ext cx="10515600" cy="3905250"/>
+          </a:xfrm>
+        </p:spPr>
+        <p:txBody>
+          <a:bodyPr/>
+          <a:lstStyle/>
+          <a:p>
+            <a:pPr lvl="0"/>
+            <a:r>
+              <a:rPr lang="en-US"/>
+              <a:t>Click to edit Master text styles</a:t>
+            </a:r>
+          </a:p>
+          <a:p>
+            <a:pPr lvl="1"/>
+            <a:r>
+              <a:rPr lang="en-US"/>
+              <a:t>Second level</a:t>
+            </a:r>
+          </a:p>
+          <a:p>
+            <a:pPr lvl="2"/>
+            <a:r>
+              <a:rPr lang="en-US"/>
+              <a:t>Third level</a:t>
+            </a:r>
+          </a:p>
+          <a:p>
+            <a:pPr lvl="3"/>
+            <a:r>
+              <a:rPr lang="en-US"/>
+              <a:t>Fourth level</a:t>
+            </a:r>
+          </a:p>
+          <a:p>
+            <a:pPr lvl="4"/>
+            <a:r>
+              <a:rPr lang="en-US"/>
+              <a:t>Fifth level</a:t>
+            </a:r>
+            <a:endParaRPr lang="en-IL" dirty="0"/>
+          </a:p>
+        </p:txBody>
+      </p:sp>
+    </p:spTree>
+    <p:extLst>
+      <p:ext uri="{BB962C8B-B14F-4D97-AF65-F5344CB8AC3E}">
+        <p14:creationId xmlns:p14="http://schemas.microsoft.com/office/powerpoint/2010/main" val="3059485277"/>
+      </p:ext>
+    </p:extLst>
+  </p:cSld>
+  <p:clrMapOvr>
+    <a:masterClrMapping/>
+  </p:clrMapOvr>
+</p:sldLayout>
+</file>
+
 <file path=ppt/slideMasters/slideMaster1.xml><?xml version="1.0" encoding="utf-8"?>
 <p:sldMaster xmlns:a="http://schemas.openxmlformats.org/drawingml/2006/main" xmlns:r="http://schemas.openxmlformats.org/officeDocument/2006/relationships" xmlns:p="http://schemas.openxmlformats.org/presentationml/2006/main">
   <p:cSld>
@@ -713,6 +853,7 @@
   <p:sldLayoutIdLst>
     <p:sldLayoutId id="2147483692" r:id="rId1"/>
     <p:sldLayoutId id="2147483693" r:id="rId2"/>
+    <p:sldLayoutId id="2147483694" r:id="rId3"/>
   </p:sldLayoutIdLst>
   <p:txStyles>
     <p:titleStyle>
@@ -1091,6 +1232,1428 @@
 </p:sld>
 </file>
 
+<file path=ppt/slides/slide10.xml><?xml version="1.0" encoding="utf-8"?>
+<p:sld xmlns:a="http://schemas.openxmlformats.org/drawingml/2006/main" xmlns:r="http://schemas.openxmlformats.org/officeDocument/2006/relationships" xmlns:p="http://schemas.openxmlformats.org/presentationml/2006/main">
+  <p:cSld>
+    <p:spTree>
+      <p:nvGrpSpPr>
+        <p:cNvPr id="1" name=""/>
+        <p:cNvGrpSpPr/>
+        <p:nvPr/>
+      </p:nvGrpSpPr>
+      <p:grpSpPr>
+        <a:xfrm>
+          <a:off x="0" y="0"/>
+          <a:ext cx="0" cy="0"/>
+          <a:chOff x="0" y="0"/>
+          <a:chExt cx="0" cy="0"/>
+        </a:xfrm>
+      </p:grpSpPr>
+      <p:sp>
+        <p:nvSpPr>
+          <p:cNvPr id="2" name="Title 1">
+            <a:extLst>
+              <a:ext uri="{FF2B5EF4-FFF2-40B4-BE49-F238E27FC236}">
+                <a16:creationId xmlns:a16="http://schemas.microsoft.com/office/drawing/2014/main" id="{3817CED1-4C79-45BA-956A-A81A35D8D3C8}"/>
+              </a:ext>
+            </a:extLst>
+          </p:cNvPr>
+          <p:cNvSpPr>
+            <a:spLocks noGrp="1"/>
+          </p:cNvSpPr>
+          <p:nvPr>
+            <p:ph type="title"/>
+          </p:nvPr>
+        </p:nvSpPr>
+        <p:spPr/>
+        <p:txBody>
+          <a:bodyPr/>
+          <a:lstStyle/>
+          <a:p>
+            <a:r>
+              <a:rPr lang="en-US" dirty="0"/>
+              <a:t>Train settings</a:t>
+            </a:r>
+            <a:endParaRPr lang="en-IL" dirty="0"/>
+          </a:p>
+        </p:txBody>
+      </p:sp>
+      <p:sp>
+        <p:nvSpPr>
+          <p:cNvPr id="12" name="Content Placeholder 2">
+            <a:extLst>
+              <a:ext uri="{FF2B5EF4-FFF2-40B4-BE49-F238E27FC236}">
+                <a16:creationId xmlns:a16="http://schemas.microsoft.com/office/drawing/2014/main" id="{DB8F3455-AB73-4040-AD52-B7D9EB2B9FF3}"/>
+              </a:ext>
+            </a:extLst>
+          </p:cNvPr>
+          <p:cNvSpPr>
+            <a:spLocks noGrp="1"/>
+          </p:cNvSpPr>
+          <p:nvPr>
+            <p:ph idx="1"/>
+          </p:nvPr>
+        </p:nvSpPr>
+        <p:spPr>
+          <a:xfrm>
+            <a:off x="838200" y="1743075"/>
+            <a:ext cx="10515600" cy="4338548"/>
+          </a:xfrm>
+        </p:spPr>
+        <p:txBody>
+          <a:bodyPr/>
+          <a:lstStyle/>
+          <a:p>
+            <a:r>
+              <a:rPr lang="en-US" dirty="0"/>
+              <a:t>We split each sample to </a:t>
+            </a:r>
+            <a:r>
+              <a:rPr lang="en-US" b="1" dirty="0"/>
+              <a:t>12</a:t>
+            </a:r>
+            <a:r>
+              <a:rPr lang="en-US" dirty="0"/>
+              <a:t> </a:t>
+            </a:r>
+            <a:r>
+              <a:rPr lang="en-US" b="1" dirty="0"/>
+              <a:t>parts</a:t>
+            </a:r>
+          </a:p>
+          <a:p>
+            <a:r>
+              <a:rPr lang="en-US" dirty="0"/>
+              <a:t>We used </a:t>
+            </a:r>
+            <a:r>
+              <a:rPr lang="en-US" b="1" dirty="0"/>
+              <a:t>audio</a:t>
+            </a:r>
+            <a:r>
+              <a:rPr lang="en-US" dirty="0"/>
+              <a:t> </a:t>
+            </a:r>
+            <a:r>
+              <a:rPr lang="en-US" b="1" dirty="0"/>
+              <a:t>augmentations</a:t>
+            </a:r>
+          </a:p>
+          <a:p>
+            <a:r>
+              <a:rPr lang="en-US" dirty="0"/>
+              <a:t>We used</a:t>
+            </a:r>
+            <a:r>
+              <a:rPr lang="en-US" b="1" dirty="0"/>
+              <a:t> </a:t>
+            </a:r>
+            <a:r>
+              <a:rPr lang="en-US" b="1" dirty="0" err="1"/>
+              <a:t>AdamW</a:t>
+            </a:r>
+            <a:r>
+              <a:rPr lang="en-US" b="1" dirty="0"/>
+              <a:t> optimizer</a:t>
+            </a:r>
+            <a:r>
+              <a:rPr lang="en-US" dirty="0"/>
+              <a:t> and an </a:t>
+            </a:r>
+            <a:r>
+              <a:rPr lang="en-US" sz="2800" b="1" dirty="0"/>
+              <a:t>exponential decay scheduler’s </a:t>
+            </a:r>
+            <a:endParaRPr lang="en-US" b="1" dirty="0"/>
+          </a:p>
+          <a:p>
+            <a:r>
+              <a:rPr lang="en-US" dirty="0"/>
+              <a:t>We used </a:t>
+            </a:r>
+            <a:r>
+              <a:rPr lang="en-US" b="1" dirty="0"/>
+              <a:t>Cross Entropy loss</a:t>
+            </a:r>
+            <a:r>
+              <a:rPr lang="en-US" dirty="0"/>
+              <a:t> as our criterion</a:t>
+            </a:r>
+          </a:p>
+          <a:p>
+            <a:r>
+              <a:rPr lang="en-US" dirty="0"/>
+              <a:t>We kept track on our trials using the </a:t>
+            </a:r>
+            <a:r>
+              <a:rPr lang="en-US" b="1" dirty="0" err="1"/>
+              <a:t>tensorboard</a:t>
+            </a:r>
+            <a:r>
+              <a:rPr lang="en-US" dirty="0"/>
+              <a:t> library</a:t>
+            </a:r>
+          </a:p>
+          <a:p>
+            <a:endParaRPr lang="en-US" dirty="0"/>
+          </a:p>
+        </p:txBody>
+      </p:sp>
+    </p:spTree>
+    <p:extLst>
+      <p:ext uri="{BB962C8B-B14F-4D97-AF65-F5344CB8AC3E}">
+        <p14:creationId xmlns:p14="http://schemas.microsoft.com/office/powerpoint/2010/main" val="3908243872"/>
+      </p:ext>
+    </p:extLst>
+  </p:cSld>
+  <p:clrMapOvr>
+    <a:masterClrMapping/>
+  </p:clrMapOvr>
+</p:sld>
+</file>
+
+<file path=ppt/slides/slide11.xml><?xml version="1.0" encoding="utf-8"?>
+<p:sld xmlns:a="http://schemas.openxmlformats.org/drawingml/2006/main" xmlns:r="http://schemas.openxmlformats.org/officeDocument/2006/relationships" xmlns:p="http://schemas.openxmlformats.org/presentationml/2006/main">
+  <p:cSld>
+    <p:spTree>
+      <p:nvGrpSpPr>
+        <p:cNvPr id="1" name=""/>
+        <p:cNvGrpSpPr/>
+        <p:nvPr/>
+      </p:nvGrpSpPr>
+      <p:grpSpPr>
+        <a:xfrm>
+          <a:off x="0" y="0"/>
+          <a:ext cx="0" cy="0"/>
+          <a:chOff x="0" y="0"/>
+          <a:chExt cx="0" cy="0"/>
+        </a:xfrm>
+      </p:grpSpPr>
+      <p:sp>
+        <p:nvSpPr>
+          <p:cNvPr id="2" name="Title 1">
+            <a:extLst>
+              <a:ext uri="{FF2B5EF4-FFF2-40B4-BE49-F238E27FC236}">
+                <a16:creationId xmlns:a16="http://schemas.microsoft.com/office/drawing/2014/main" id="{3817CED1-4C79-45BA-956A-A81A35D8D3C8}"/>
+              </a:ext>
+            </a:extLst>
+          </p:cNvPr>
+          <p:cNvSpPr>
+            <a:spLocks noGrp="1"/>
+          </p:cNvSpPr>
+          <p:nvPr>
+            <p:ph type="title"/>
+          </p:nvPr>
+        </p:nvSpPr>
+        <p:spPr/>
+        <p:txBody>
+          <a:bodyPr/>
+          <a:lstStyle/>
+          <a:p>
+            <a:r>
+              <a:rPr lang="en-US" dirty="0"/>
+              <a:t>Our Trials</a:t>
+            </a:r>
+            <a:endParaRPr lang="en-IL" dirty="0"/>
+          </a:p>
+        </p:txBody>
+      </p:sp>
+      <p:sp>
+        <p:nvSpPr>
+          <p:cNvPr id="12" name="Content Placeholder 2">
+            <a:extLst>
+              <a:ext uri="{FF2B5EF4-FFF2-40B4-BE49-F238E27FC236}">
+                <a16:creationId xmlns:a16="http://schemas.microsoft.com/office/drawing/2014/main" id="{DB8F3455-AB73-4040-AD52-B7D9EB2B9FF3}"/>
+              </a:ext>
+            </a:extLst>
+          </p:cNvPr>
+          <p:cNvSpPr>
+            <a:spLocks noGrp="1"/>
+          </p:cNvSpPr>
+          <p:nvPr>
+            <p:ph idx="1"/>
+          </p:nvPr>
+        </p:nvSpPr>
+        <p:spPr>
+          <a:xfrm>
+            <a:off x="838200" y="1743075"/>
+            <a:ext cx="10515600" cy="4338548"/>
+          </a:xfrm>
+        </p:spPr>
+        <p:txBody>
+          <a:bodyPr/>
+          <a:lstStyle/>
+          <a:p>
+            <a:r>
+              <a:rPr lang="en-US" dirty="0"/>
+              <a:t>To test our learnable STFT module performance, we conducted the following trials:</a:t>
+            </a:r>
+          </a:p>
+          <a:p>
+            <a:pPr lvl="1"/>
+            <a:r>
+              <a:rPr lang="en-US" dirty="0"/>
+              <a:t>Basic run – with no STFT learning</a:t>
+            </a:r>
+          </a:p>
+          <a:p>
+            <a:pPr lvl="1"/>
+            <a:r>
+              <a:rPr lang="en-US" dirty="0"/>
+              <a:t>Learning the STFT’s window coefficients</a:t>
+            </a:r>
+          </a:p>
+          <a:p>
+            <a:pPr lvl="1"/>
+            <a:r>
+              <a:rPr lang="en-US" dirty="0"/>
+              <a:t>Learning the STFT’s DFT’s kernel coefficients</a:t>
+            </a:r>
+          </a:p>
+          <a:p>
+            <a:pPr lvl="1"/>
+            <a:r>
+              <a:rPr lang="en-US" dirty="0"/>
+              <a:t>Learning both the DFT’s kernel and window coefficients</a:t>
+            </a:r>
+          </a:p>
+          <a:p>
+            <a:pPr lvl="1"/>
+            <a:r>
+              <a:rPr lang="en-US" dirty="0"/>
+              <a:t>Learning 3 different STFT’s: window coefficients only</a:t>
+            </a:r>
+          </a:p>
+          <a:p>
+            <a:pPr lvl="1"/>
+            <a:r>
+              <a:rPr lang="en-US" dirty="0"/>
+              <a:t>Learning 3 different STFT’s: DFT’s kernel coefficients</a:t>
+            </a:r>
+          </a:p>
+          <a:p>
+            <a:pPr lvl="1"/>
+            <a:r>
+              <a:rPr lang="en-US" dirty="0"/>
+              <a:t>Learning 3 different STFT’s: both DFT’s kernel and window coefficients</a:t>
+            </a:r>
+          </a:p>
+          <a:p>
+            <a:pPr lvl="1"/>
+            <a:endParaRPr lang="en-US" dirty="0"/>
+          </a:p>
+          <a:p>
+            <a:endParaRPr lang="en-US" dirty="0"/>
+          </a:p>
+        </p:txBody>
+      </p:sp>
+    </p:spTree>
+    <p:extLst>
+      <p:ext uri="{BB962C8B-B14F-4D97-AF65-F5344CB8AC3E}">
+        <p14:creationId xmlns:p14="http://schemas.microsoft.com/office/powerpoint/2010/main" val="2661716831"/>
+      </p:ext>
+    </p:extLst>
+  </p:cSld>
+  <p:clrMapOvr>
+    <a:masterClrMapping/>
+  </p:clrMapOvr>
+</p:sld>
+</file>
+
+<file path=ppt/slides/slide12.xml><?xml version="1.0" encoding="utf-8"?>
+<p:sld xmlns:a="http://schemas.openxmlformats.org/drawingml/2006/main" xmlns:r="http://schemas.openxmlformats.org/officeDocument/2006/relationships" xmlns:p="http://schemas.openxmlformats.org/presentationml/2006/main">
+  <p:cSld>
+    <p:spTree>
+      <p:nvGrpSpPr>
+        <p:cNvPr id="1" name=""/>
+        <p:cNvGrpSpPr/>
+        <p:nvPr/>
+      </p:nvGrpSpPr>
+      <p:grpSpPr>
+        <a:xfrm>
+          <a:off x="0" y="0"/>
+          <a:ext cx="0" cy="0"/>
+          <a:chOff x="0" y="0"/>
+          <a:chExt cx="0" cy="0"/>
+        </a:xfrm>
+      </p:grpSpPr>
+      <p:sp>
+        <p:nvSpPr>
+          <p:cNvPr id="2" name="Title 1">
+            <a:extLst>
+              <a:ext uri="{FF2B5EF4-FFF2-40B4-BE49-F238E27FC236}">
+                <a16:creationId xmlns:a16="http://schemas.microsoft.com/office/drawing/2014/main" id="{3817CED1-4C79-45BA-956A-A81A35D8D3C8}"/>
+              </a:ext>
+            </a:extLst>
+          </p:cNvPr>
+          <p:cNvSpPr>
+            <a:spLocks noGrp="1"/>
+          </p:cNvSpPr>
+          <p:nvPr>
+            <p:ph type="title"/>
+          </p:nvPr>
+        </p:nvSpPr>
+        <p:spPr/>
+        <p:txBody>
+          <a:bodyPr/>
+          <a:lstStyle/>
+          <a:p>
+            <a:r>
+              <a:rPr lang="en-US" dirty="0"/>
+              <a:t>Our Results </a:t>
+            </a:r>
+            <a:r>
+              <a:rPr lang="en-US" sz="3200" dirty="0"/>
+              <a:t>Train Loss</a:t>
+            </a:r>
+            <a:endParaRPr lang="en-IL" sz="3200" dirty="0"/>
+          </a:p>
+        </p:txBody>
+      </p:sp>
+    </p:spTree>
+    <p:extLst>
+      <p:ext uri="{BB962C8B-B14F-4D97-AF65-F5344CB8AC3E}">
+        <p14:creationId xmlns:p14="http://schemas.microsoft.com/office/powerpoint/2010/main" val="4083329183"/>
+      </p:ext>
+    </p:extLst>
+  </p:cSld>
+  <p:clrMapOvr>
+    <a:masterClrMapping/>
+  </p:clrMapOvr>
+</p:sld>
+</file>
+
+<file path=ppt/slides/slide13.xml><?xml version="1.0" encoding="utf-8"?>
+<p:sld xmlns:a="http://schemas.openxmlformats.org/drawingml/2006/main" xmlns:r="http://schemas.openxmlformats.org/officeDocument/2006/relationships" xmlns:p="http://schemas.openxmlformats.org/presentationml/2006/main">
+  <p:cSld>
+    <p:spTree>
+      <p:nvGrpSpPr>
+        <p:cNvPr id="1" name=""/>
+        <p:cNvGrpSpPr/>
+        <p:nvPr/>
+      </p:nvGrpSpPr>
+      <p:grpSpPr>
+        <a:xfrm>
+          <a:off x="0" y="0"/>
+          <a:ext cx="0" cy="0"/>
+          <a:chOff x="0" y="0"/>
+          <a:chExt cx="0" cy="0"/>
+        </a:xfrm>
+      </p:grpSpPr>
+      <p:sp>
+        <p:nvSpPr>
+          <p:cNvPr id="2" name="Title 1">
+            <a:extLst>
+              <a:ext uri="{FF2B5EF4-FFF2-40B4-BE49-F238E27FC236}">
+                <a16:creationId xmlns:a16="http://schemas.microsoft.com/office/drawing/2014/main" id="{3817CED1-4C79-45BA-956A-A81A35D8D3C8}"/>
+              </a:ext>
+            </a:extLst>
+          </p:cNvPr>
+          <p:cNvSpPr>
+            <a:spLocks noGrp="1"/>
+          </p:cNvSpPr>
+          <p:nvPr>
+            <p:ph type="title"/>
+          </p:nvPr>
+        </p:nvSpPr>
+        <p:spPr/>
+        <p:txBody>
+          <a:bodyPr>
+            <a:normAutofit/>
+          </a:bodyPr>
+          <a:lstStyle/>
+          <a:p>
+            <a:r>
+              <a:rPr lang="en-US" dirty="0"/>
+              <a:t>Our Results </a:t>
+            </a:r>
+            <a:r>
+              <a:rPr lang="en-US" sz="3200" dirty="0"/>
+              <a:t>Validation Accuracy</a:t>
+            </a:r>
+            <a:endParaRPr lang="en-IL" sz="3200" dirty="0"/>
+          </a:p>
+        </p:txBody>
+      </p:sp>
+    </p:spTree>
+    <p:extLst>
+      <p:ext uri="{BB962C8B-B14F-4D97-AF65-F5344CB8AC3E}">
+        <p14:creationId xmlns:p14="http://schemas.microsoft.com/office/powerpoint/2010/main" val="639394910"/>
+      </p:ext>
+    </p:extLst>
+  </p:cSld>
+  <p:clrMapOvr>
+    <a:masterClrMapping/>
+  </p:clrMapOvr>
+</p:sld>
+</file>
+
+<file path=ppt/slides/slide14.xml><?xml version="1.0" encoding="utf-8"?>
+<p:sld xmlns:a="http://schemas.openxmlformats.org/drawingml/2006/main" xmlns:r="http://schemas.openxmlformats.org/officeDocument/2006/relationships" xmlns:p="http://schemas.openxmlformats.org/presentationml/2006/main">
+  <p:cSld>
+    <p:spTree>
+      <p:nvGrpSpPr>
+        <p:cNvPr id="1" name=""/>
+        <p:cNvGrpSpPr/>
+        <p:nvPr/>
+      </p:nvGrpSpPr>
+      <p:grpSpPr>
+        <a:xfrm>
+          <a:off x="0" y="0"/>
+          <a:ext cx="0" cy="0"/>
+          <a:chOff x="0" y="0"/>
+          <a:chExt cx="0" cy="0"/>
+        </a:xfrm>
+      </p:grpSpPr>
+      <p:sp>
+        <p:nvSpPr>
+          <p:cNvPr id="2" name="Title 1">
+            <a:extLst>
+              <a:ext uri="{FF2B5EF4-FFF2-40B4-BE49-F238E27FC236}">
+                <a16:creationId xmlns:a16="http://schemas.microsoft.com/office/drawing/2014/main" id="{3817CED1-4C79-45BA-956A-A81A35D8D3C8}"/>
+              </a:ext>
+            </a:extLst>
+          </p:cNvPr>
+          <p:cNvSpPr>
+            <a:spLocks noGrp="1"/>
+          </p:cNvSpPr>
+          <p:nvPr>
+            <p:ph type="title"/>
+          </p:nvPr>
+        </p:nvSpPr>
+        <p:spPr/>
+        <p:txBody>
+          <a:bodyPr/>
+          <a:lstStyle/>
+          <a:p>
+            <a:r>
+              <a:rPr lang="en-US" dirty="0"/>
+              <a:t>Our Results </a:t>
+            </a:r>
+            <a:r>
+              <a:rPr lang="en-US" sz="3200" dirty="0"/>
+              <a:t>Validation Accuracy - best</a:t>
+            </a:r>
+            <a:endParaRPr lang="en-IL" sz="3200" dirty="0"/>
+          </a:p>
+        </p:txBody>
+      </p:sp>
+      <p:pic>
+        <p:nvPicPr>
+          <p:cNvPr id="4" name="Picture 3">
+            <a:extLst>
+              <a:ext uri="{FF2B5EF4-FFF2-40B4-BE49-F238E27FC236}">
+                <a16:creationId xmlns:a16="http://schemas.microsoft.com/office/drawing/2014/main" id="{82BDFB46-79FB-48A6-A01B-9B821D3E9044}"/>
+              </a:ext>
+            </a:extLst>
+          </p:cNvPr>
+          <p:cNvPicPr>
+            <a:picLocks noChangeAspect="1"/>
+          </p:cNvPicPr>
+          <p:nvPr/>
+        </p:nvPicPr>
+        <p:blipFill>
+          <a:blip r:embed="rId2"/>
+          <a:stretch>
+            <a:fillRect/>
+          </a:stretch>
+        </p:blipFill>
+        <p:spPr>
+          <a:xfrm>
+            <a:off x="526214" y="1797351"/>
+            <a:ext cx="2254366" cy="2159111"/>
+          </a:xfrm>
+          <a:prstGeom prst="rect">
+            <a:avLst/>
+          </a:prstGeom>
+        </p:spPr>
+      </p:pic>
+      <p:pic>
+        <p:nvPicPr>
+          <p:cNvPr id="8" name="Picture 7">
+            <a:extLst>
+              <a:ext uri="{FF2B5EF4-FFF2-40B4-BE49-F238E27FC236}">
+                <a16:creationId xmlns:a16="http://schemas.microsoft.com/office/drawing/2014/main" id="{B79C5626-2B47-4D37-9124-50BE2D8253DD}"/>
+              </a:ext>
+            </a:extLst>
+          </p:cNvPr>
+          <p:cNvPicPr>
+            <a:picLocks noChangeAspect="1"/>
+          </p:cNvPicPr>
+          <p:nvPr/>
+        </p:nvPicPr>
+        <p:blipFill rotWithShape="1">
+          <a:blip r:embed="rId3"/>
+          <a:srcRect t="1734" b="1"/>
+          <a:stretch/>
+        </p:blipFill>
+        <p:spPr>
+          <a:xfrm>
+            <a:off x="3284482" y="1797349"/>
+            <a:ext cx="2267066" cy="2159110"/>
+          </a:xfrm>
+          <a:prstGeom prst="rect">
+            <a:avLst/>
+          </a:prstGeom>
+        </p:spPr>
+      </p:pic>
+      <p:sp>
+        <p:nvSpPr>
+          <p:cNvPr id="9" name="TextBox 8">
+            <a:extLst>
+              <a:ext uri="{FF2B5EF4-FFF2-40B4-BE49-F238E27FC236}">
+                <a16:creationId xmlns:a16="http://schemas.microsoft.com/office/drawing/2014/main" id="{6AA28D89-4681-4445-98D1-52DAB0E29402}"/>
+              </a:ext>
+            </a:extLst>
+          </p:cNvPr>
+          <p:cNvSpPr txBox="1"/>
+          <p:nvPr/>
+        </p:nvSpPr>
+        <p:spPr>
+          <a:xfrm>
+            <a:off x="810057" y="1445271"/>
+            <a:ext cx="1686680" cy="369332"/>
+          </a:xfrm>
+          <a:prstGeom prst="rect">
+            <a:avLst/>
+          </a:prstGeom>
+          <a:noFill/>
+        </p:spPr>
+        <p:txBody>
+          <a:bodyPr wrap="none" rtlCol="0">
+            <a:spAutoFit/>
+          </a:bodyPr>
+          <a:lstStyle/>
+          <a:p>
+            <a:r>
+              <a:rPr lang="en-US" b="1" dirty="0">
+                <a:solidFill>
+                  <a:schemeClr val="bg1"/>
+                </a:solidFill>
+              </a:rPr>
+              <a:t>Basic run – 0.59</a:t>
+            </a:r>
+            <a:endParaRPr lang="en-IL" b="1" dirty="0">
+              <a:solidFill>
+                <a:schemeClr val="bg1"/>
+              </a:solidFill>
+            </a:endParaRPr>
+          </a:p>
+        </p:txBody>
+      </p:sp>
+      <p:sp>
+        <p:nvSpPr>
+          <p:cNvPr id="11" name="TextBox 10">
+            <a:extLst>
+              <a:ext uri="{FF2B5EF4-FFF2-40B4-BE49-F238E27FC236}">
+                <a16:creationId xmlns:a16="http://schemas.microsoft.com/office/drawing/2014/main" id="{1D615EC6-F007-4C44-9596-4402CB940ECB}"/>
+              </a:ext>
+            </a:extLst>
+          </p:cNvPr>
+          <p:cNvSpPr txBox="1"/>
+          <p:nvPr/>
+        </p:nvSpPr>
+        <p:spPr>
+          <a:xfrm>
+            <a:off x="3305884" y="1428017"/>
+            <a:ext cx="2171941" cy="369332"/>
+          </a:xfrm>
+          <a:prstGeom prst="rect">
+            <a:avLst/>
+          </a:prstGeom>
+          <a:noFill/>
+        </p:spPr>
+        <p:txBody>
+          <a:bodyPr wrap="none" rtlCol="0">
+            <a:spAutoFit/>
+          </a:bodyPr>
+          <a:lstStyle/>
+          <a:p>
+            <a:r>
+              <a:rPr lang="en-US" b="1" dirty="0">
+                <a:solidFill>
+                  <a:schemeClr val="bg1"/>
+                </a:solidFill>
+              </a:rPr>
+              <a:t>Learn window – 0.59</a:t>
+            </a:r>
+            <a:endParaRPr lang="en-IL" b="1" dirty="0">
+              <a:solidFill>
+                <a:schemeClr val="bg1"/>
+              </a:solidFill>
+            </a:endParaRPr>
+          </a:p>
+        </p:txBody>
+      </p:sp>
+      <p:pic>
+        <p:nvPicPr>
+          <p:cNvPr id="13" name="Picture 12">
+            <a:extLst>
+              <a:ext uri="{FF2B5EF4-FFF2-40B4-BE49-F238E27FC236}">
+                <a16:creationId xmlns:a16="http://schemas.microsoft.com/office/drawing/2014/main" id="{56E2238A-F715-4DC0-A9C3-47442CEF98EE}"/>
+              </a:ext>
+            </a:extLst>
+          </p:cNvPr>
+          <p:cNvPicPr>
+            <a:picLocks noChangeAspect="1"/>
+          </p:cNvPicPr>
+          <p:nvPr/>
+        </p:nvPicPr>
+        <p:blipFill>
+          <a:blip r:embed="rId4"/>
+          <a:stretch>
+            <a:fillRect/>
+          </a:stretch>
+        </p:blipFill>
+        <p:spPr>
+          <a:xfrm>
+            <a:off x="6055451" y="1797349"/>
+            <a:ext cx="2256954" cy="2159109"/>
+          </a:xfrm>
+          <a:prstGeom prst="rect">
+            <a:avLst/>
+          </a:prstGeom>
+        </p:spPr>
+      </p:pic>
+      <p:sp>
+        <p:nvSpPr>
+          <p:cNvPr id="14" name="TextBox 13">
+            <a:extLst>
+              <a:ext uri="{FF2B5EF4-FFF2-40B4-BE49-F238E27FC236}">
+                <a16:creationId xmlns:a16="http://schemas.microsoft.com/office/drawing/2014/main" id="{79AEB4BC-1DC3-4B4F-9BDB-AA08ACF3EB7E}"/>
+              </a:ext>
+            </a:extLst>
+          </p:cNvPr>
+          <p:cNvSpPr txBox="1"/>
+          <p:nvPr/>
+        </p:nvSpPr>
+        <p:spPr>
+          <a:xfrm>
+            <a:off x="6286972" y="1428017"/>
+            <a:ext cx="1768433" cy="369332"/>
+          </a:xfrm>
+          <a:prstGeom prst="rect">
+            <a:avLst/>
+          </a:prstGeom>
+          <a:noFill/>
+        </p:spPr>
+        <p:txBody>
+          <a:bodyPr wrap="none" rtlCol="0">
+            <a:spAutoFit/>
+          </a:bodyPr>
+          <a:lstStyle/>
+          <a:p>
+            <a:r>
+              <a:rPr lang="en-US" b="1" dirty="0">
+                <a:solidFill>
+                  <a:schemeClr val="bg1"/>
+                </a:solidFill>
+              </a:rPr>
+              <a:t>Learn DFT – 0.62</a:t>
+            </a:r>
+            <a:endParaRPr lang="en-IL" b="1" dirty="0">
+              <a:solidFill>
+                <a:schemeClr val="bg1"/>
+              </a:solidFill>
+            </a:endParaRPr>
+          </a:p>
+        </p:txBody>
+      </p:sp>
+      <p:pic>
+        <p:nvPicPr>
+          <p:cNvPr id="16" name="Picture 15">
+            <a:extLst>
+              <a:ext uri="{FF2B5EF4-FFF2-40B4-BE49-F238E27FC236}">
+                <a16:creationId xmlns:a16="http://schemas.microsoft.com/office/drawing/2014/main" id="{2131DA35-AB0F-444B-B988-0AB7878331B9}"/>
+              </a:ext>
+            </a:extLst>
+          </p:cNvPr>
+          <p:cNvPicPr>
+            <a:picLocks noChangeAspect="1"/>
+          </p:cNvPicPr>
+          <p:nvPr/>
+        </p:nvPicPr>
+        <p:blipFill>
+          <a:blip r:embed="rId5"/>
+          <a:stretch>
+            <a:fillRect/>
+          </a:stretch>
+        </p:blipFill>
+        <p:spPr>
+          <a:xfrm>
+            <a:off x="8875008" y="1797349"/>
+            <a:ext cx="2276522" cy="2159108"/>
+          </a:xfrm>
+          <a:prstGeom prst="rect">
+            <a:avLst/>
+          </a:prstGeom>
+        </p:spPr>
+      </p:pic>
+      <p:sp>
+        <p:nvSpPr>
+          <p:cNvPr id="17" name="TextBox 16">
+            <a:extLst>
+              <a:ext uri="{FF2B5EF4-FFF2-40B4-BE49-F238E27FC236}">
+                <a16:creationId xmlns:a16="http://schemas.microsoft.com/office/drawing/2014/main" id="{797913DF-BDF3-4A7F-A0F7-18932269A05D}"/>
+              </a:ext>
+            </a:extLst>
+          </p:cNvPr>
+          <p:cNvSpPr txBox="1"/>
+          <p:nvPr/>
+        </p:nvSpPr>
+        <p:spPr>
+          <a:xfrm>
+            <a:off x="8558857" y="1441305"/>
+            <a:ext cx="3003899" cy="369332"/>
+          </a:xfrm>
+          <a:prstGeom prst="rect">
+            <a:avLst/>
+          </a:prstGeom>
+          <a:noFill/>
+        </p:spPr>
+        <p:txBody>
+          <a:bodyPr wrap="none" rtlCol="0">
+            <a:spAutoFit/>
+          </a:bodyPr>
+          <a:lstStyle/>
+          <a:p>
+            <a:r>
+              <a:rPr lang="en-US" b="1" dirty="0">
+                <a:solidFill>
+                  <a:schemeClr val="bg1"/>
+                </a:solidFill>
+              </a:rPr>
+              <a:t>Learn window and DFT – 0.64</a:t>
+            </a:r>
+            <a:endParaRPr lang="en-IL" b="1" dirty="0">
+              <a:solidFill>
+                <a:schemeClr val="bg1"/>
+              </a:solidFill>
+            </a:endParaRPr>
+          </a:p>
+        </p:txBody>
+      </p:sp>
+      <p:sp>
+        <p:nvSpPr>
+          <p:cNvPr id="19" name="TextBox 18">
+            <a:extLst>
+              <a:ext uri="{FF2B5EF4-FFF2-40B4-BE49-F238E27FC236}">
+                <a16:creationId xmlns:a16="http://schemas.microsoft.com/office/drawing/2014/main" id="{0A1335F8-C295-495A-BF4D-A30828EC88C9}"/>
+              </a:ext>
+            </a:extLst>
+          </p:cNvPr>
+          <p:cNvSpPr txBox="1"/>
+          <p:nvPr/>
+        </p:nvSpPr>
+        <p:spPr>
+          <a:xfrm>
+            <a:off x="1787342" y="4182182"/>
+            <a:ext cx="2431756" cy="369332"/>
+          </a:xfrm>
+          <a:prstGeom prst="rect">
+            <a:avLst/>
+          </a:prstGeom>
+          <a:noFill/>
+        </p:spPr>
+        <p:txBody>
+          <a:bodyPr wrap="none" rtlCol="0">
+            <a:spAutoFit/>
+          </a:bodyPr>
+          <a:lstStyle/>
+          <a:p>
+            <a:r>
+              <a:rPr lang="en-US" b="1" dirty="0">
+                <a:solidFill>
+                  <a:schemeClr val="bg1"/>
+                </a:solidFill>
+              </a:rPr>
+              <a:t>Learn 3 windows – 0.63</a:t>
+            </a:r>
+            <a:endParaRPr lang="en-IL" b="1" dirty="0">
+              <a:solidFill>
+                <a:schemeClr val="bg1"/>
+              </a:solidFill>
+            </a:endParaRPr>
+          </a:p>
+        </p:txBody>
+      </p:sp>
+      <p:sp>
+        <p:nvSpPr>
+          <p:cNvPr id="20" name="TextBox 19">
+            <a:extLst>
+              <a:ext uri="{FF2B5EF4-FFF2-40B4-BE49-F238E27FC236}">
+                <a16:creationId xmlns:a16="http://schemas.microsoft.com/office/drawing/2014/main" id="{57C40AE4-2B71-42E8-8C7E-B16D3FD8C18B}"/>
+              </a:ext>
+            </a:extLst>
+          </p:cNvPr>
+          <p:cNvSpPr txBox="1"/>
+          <p:nvPr/>
+        </p:nvSpPr>
+        <p:spPr>
+          <a:xfrm>
+            <a:off x="5181304" y="4182182"/>
+            <a:ext cx="1381212" cy="369332"/>
+          </a:xfrm>
+          <a:prstGeom prst="rect">
+            <a:avLst/>
+          </a:prstGeom>
+          <a:noFill/>
+        </p:spPr>
+        <p:txBody>
+          <a:bodyPr wrap="none" rtlCol="0">
+            <a:spAutoFit/>
+          </a:bodyPr>
+          <a:lstStyle/>
+          <a:p>
+            <a:r>
+              <a:rPr lang="en-US" b="1" dirty="0">
+                <a:solidFill>
+                  <a:schemeClr val="bg1"/>
+                </a:solidFill>
+              </a:rPr>
+              <a:t>Learn 3 DFTs</a:t>
+            </a:r>
+            <a:endParaRPr lang="en-IL" b="1" dirty="0">
+              <a:solidFill>
+                <a:schemeClr val="bg1"/>
+              </a:solidFill>
+            </a:endParaRPr>
+          </a:p>
+        </p:txBody>
+      </p:sp>
+      <p:sp>
+        <p:nvSpPr>
+          <p:cNvPr id="21" name="TextBox 20">
+            <a:extLst>
+              <a:ext uri="{FF2B5EF4-FFF2-40B4-BE49-F238E27FC236}">
+                <a16:creationId xmlns:a16="http://schemas.microsoft.com/office/drawing/2014/main" id="{A76F8E61-AD06-408D-AC0E-5C75DBC4A7A4}"/>
+              </a:ext>
+            </a:extLst>
+          </p:cNvPr>
+          <p:cNvSpPr txBox="1"/>
+          <p:nvPr/>
+        </p:nvSpPr>
+        <p:spPr>
+          <a:xfrm>
+            <a:off x="7656404" y="4180553"/>
+            <a:ext cx="2706575" cy="369332"/>
+          </a:xfrm>
+          <a:prstGeom prst="rect">
+            <a:avLst/>
+          </a:prstGeom>
+          <a:noFill/>
+        </p:spPr>
+        <p:txBody>
+          <a:bodyPr wrap="none" rtlCol="0">
+            <a:spAutoFit/>
+          </a:bodyPr>
+          <a:lstStyle/>
+          <a:p>
+            <a:r>
+              <a:rPr lang="en-US" b="1" dirty="0">
+                <a:solidFill>
+                  <a:schemeClr val="bg1"/>
+                </a:solidFill>
+              </a:rPr>
+              <a:t>Learn 3 windows and DFTs</a:t>
+            </a:r>
+            <a:endParaRPr lang="en-IL" b="1" dirty="0">
+              <a:solidFill>
+                <a:schemeClr val="bg1"/>
+              </a:solidFill>
+            </a:endParaRPr>
+          </a:p>
+        </p:txBody>
+      </p:sp>
+      <p:pic>
+        <p:nvPicPr>
+          <p:cNvPr id="23" name="Picture 22">
+            <a:extLst>
+              <a:ext uri="{FF2B5EF4-FFF2-40B4-BE49-F238E27FC236}">
+                <a16:creationId xmlns:a16="http://schemas.microsoft.com/office/drawing/2014/main" id="{C6A9774A-0109-4AB1-8048-70A3F7703B9F}"/>
+              </a:ext>
+            </a:extLst>
+          </p:cNvPr>
+          <p:cNvPicPr>
+            <a:picLocks noChangeAspect="1"/>
+          </p:cNvPicPr>
+          <p:nvPr/>
+        </p:nvPicPr>
+        <p:blipFill>
+          <a:blip r:embed="rId6"/>
+          <a:stretch>
+            <a:fillRect/>
+          </a:stretch>
+        </p:blipFill>
+        <p:spPr>
+          <a:xfrm>
+            <a:off x="1895088" y="4551514"/>
+            <a:ext cx="2216264" cy="2171812"/>
+          </a:xfrm>
+          <a:prstGeom prst="rect">
+            <a:avLst/>
+          </a:prstGeom>
+        </p:spPr>
+      </p:pic>
+    </p:spTree>
+    <p:extLst>
+      <p:ext uri="{BB962C8B-B14F-4D97-AF65-F5344CB8AC3E}">
+        <p14:creationId xmlns:p14="http://schemas.microsoft.com/office/powerpoint/2010/main" val="3176577262"/>
+      </p:ext>
+    </p:extLst>
+  </p:cSld>
+  <p:clrMapOvr>
+    <a:masterClrMapping/>
+  </p:clrMapOvr>
+</p:sld>
+</file>
+
+<file path=ppt/slides/slide15.xml><?xml version="1.0" encoding="utf-8"?>
+<p:sld xmlns:a="http://schemas.openxmlformats.org/drawingml/2006/main" xmlns:r="http://schemas.openxmlformats.org/officeDocument/2006/relationships" xmlns:p="http://schemas.openxmlformats.org/presentationml/2006/main">
+  <p:cSld>
+    <p:spTree>
+      <p:nvGrpSpPr>
+        <p:cNvPr id="1" name=""/>
+        <p:cNvGrpSpPr/>
+        <p:nvPr/>
+      </p:nvGrpSpPr>
+      <p:grpSpPr>
+        <a:xfrm>
+          <a:off x="0" y="0"/>
+          <a:ext cx="0" cy="0"/>
+          <a:chOff x="0" y="0"/>
+          <a:chExt cx="0" cy="0"/>
+        </a:xfrm>
+      </p:grpSpPr>
+      <p:sp>
+        <p:nvSpPr>
+          <p:cNvPr id="2" name="Title 1">
+            <a:extLst>
+              <a:ext uri="{FF2B5EF4-FFF2-40B4-BE49-F238E27FC236}">
+                <a16:creationId xmlns:a16="http://schemas.microsoft.com/office/drawing/2014/main" id="{3817CED1-4C79-45BA-956A-A81A35D8D3C8}"/>
+              </a:ext>
+            </a:extLst>
+          </p:cNvPr>
+          <p:cNvSpPr>
+            <a:spLocks noGrp="1"/>
+          </p:cNvSpPr>
+          <p:nvPr>
+            <p:ph type="title"/>
+          </p:nvPr>
+        </p:nvSpPr>
+        <p:spPr/>
+        <p:txBody>
+          <a:bodyPr>
+            <a:normAutofit/>
+          </a:bodyPr>
+          <a:lstStyle/>
+          <a:p>
+            <a:r>
+              <a:rPr lang="en-US" dirty="0"/>
+              <a:t>Our Results </a:t>
+            </a:r>
+            <a:r>
+              <a:rPr lang="en-US" sz="3200" dirty="0"/>
+              <a:t>Some of the learnable windows</a:t>
+            </a:r>
+            <a:endParaRPr lang="en-IL" dirty="0"/>
+          </a:p>
+        </p:txBody>
+      </p:sp>
+      <p:pic>
+        <p:nvPicPr>
+          <p:cNvPr id="4" name="Picture 3">
+            <a:extLst>
+              <a:ext uri="{FF2B5EF4-FFF2-40B4-BE49-F238E27FC236}">
+                <a16:creationId xmlns:a16="http://schemas.microsoft.com/office/drawing/2014/main" id="{A5546440-35E6-44FF-A75C-3F953933A7B3}"/>
+              </a:ext>
+            </a:extLst>
+          </p:cNvPr>
+          <p:cNvPicPr>
+            <a:picLocks noChangeAspect="1"/>
+          </p:cNvPicPr>
+          <p:nvPr/>
+        </p:nvPicPr>
+        <p:blipFill>
+          <a:blip r:embed="rId2"/>
+          <a:stretch>
+            <a:fillRect/>
+          </a:stretch>
+        </p:blipFill>
+        <p:spPr>
+          <a:xfrm>
+            <a:off x="588785" y="2613948"/>
+            <a:ext cx="2417112" cy="2460927"/>
+          </a:xfrm>
+          <a:prstGeom prst="rect">
+            <a:avLst/>
+          </a:prstGeom>
+        </p:spPr>
+      </p:pic>
+      <p:pic>
+        <p:nvPicPr>
+          <p:cNvPr id="7" name="Picture 6">
+            <a:extLst>
+              <a:ext uri="{FF2B5EF4-FFF2-40B4-BE49-F238E27FC236}">
+                <a16:creationId xmlns:a16="http://schemas.microsoft.com/office/drawing/2014/main" id="{6D4F8500-2A0E-4B2C-A7AC-EEBE265F84C0}"/>
+              </a:ext>
+            </a:extLst>
+          </p:cNvPr>
+          <p:cNvPicPr>
+            <a:picLocks noChangeAspect="1"/>
+          </p:cNvPicPr>
+          <p:nvPr/>
+        </p:nvPicPr>
+        <p:blipFill rotWithShape="1">
+          <a:blip r:embed="rId3"/>
+          <a:srcRect l="7708" t="4772" r="8512"/>
+          <a:stretch/>
+        </p:blipFill>
+        <p:spPr>
+          <a:xfrm>
+            <a:off x="9259452" y="2609716"/>
+            <a:ext cx="2466818" cy="2469389"/>
+          </a:xfrm>
+          <a:prstGeom prst="rect">
+            <a:avLst/>
+          </a:prstGeom>
+        </p:spPr>
+      </p:pic>
+      <p:sp>
+        <p:nvSpPr>
+          <p:cNvPr id="9" name="TextBox 8">
+            <a:extLst>
+              <a:ext uri="{FF2B5EF4-FFF2-40B4-BE49-F238E27FC236}">
+                <a16:creationId xmlns:a16="http://schemas.microsoft.com/office/drawing/2014/main" id="{41E02F09-8230-4599-BDBA-CB0FA959C0BB}"/>
+              </a:ext>
+            </a:extLst>
+          </p:cNvPr>
+          <p:cNvSpPr txBox="1"/>
+          <p:nvPr/>
+        </p:nvSpPr>
+        <p:spPr>
+          <a:xfrm>
+            <a:off x="510044" y="2211919"/>
+            <a:ext cx="2492862" cy="338554"/>
+          </a:xfrm>
+          <a:prstGeom prst="rect">
+            <a:avLst/>
+          </a:prstGeom>
+          <a:noFill/>
+        </p:spPr>
+        <p:txBody>
+          <a:bodyPr wrap="none" rtlCol="0">
+            <a:spAutoFit/>
+          </a:bodyPr>
+          <a:lstStyle/>
+          <a:p>
+            <a:r>
+              <a:rPr lang="en-US" sz="1600" dirty="0">
+                <a:solidFill>
+                  <a:schemeClr val="bg1"/>
+                </a:solidFill>
+              </a:rPr>
+              <a:t>Initiated with Hann window</a:t>
+            </a:r>
+            <a:endParaRPr lang="en-IL" sz="1600" dirty="0">
+              <a:solidFill>
+                <a:schemeClr val="bg1"/>
+              </a:solidFill>
+            </a:endParaRPr>
+          </a:p>
+        </p:txBody>
+      </p:sp>
+      <p:sp>
+        <p:nvSpPr>
+          <p:cNvPr id="10" name="TextBox 9">
+            <a:extLst>
+              <a:ext uri="{FF2B5EF4-FFF2-40B4-BE49-F238E27FC236}">
+                <a16:creationId xmlns:a16="http://schemas.microsoft.com/office/drawing/2014/main" id="{71598F59-9F8D-4279-ABA6-2EC59BB737A9}"/>
+              </a:ext>
+            </a:extLst>
+          </p:cNvPr>
+          <p:cNvSpPr txBox="1"/>
+          <p:nvPr/>
+        </p:nvSpPr>
+        <p:spPr>
+          <a:xfrm>
+            <a:off x="3361519" y="2211919"/>
+            <a:ext cx="2995307" cy="338554"/>
+          </a:xfrm>
+          <a:prstGeom prst="rect">
+            <a:avLst/>
+          </a:prstGeom>
+          <a:noFill/>
+        </p:spPr>
+        <p:txBody>
+          <a:bodyPr wrap="none" rtlCol="0">
+            <a:spAutoFit/>
+          </a:bodyPr>
+          <a:lstStyle/>
+          <a:p>
+            <a:r>
+              <a:rPr lang="en-US" sz="1600" dirty="0">
+                <a:solidFill>
+                  <a:schemeClr val="bg1"/>
+                </a:solidFill>
+              </a:rPr>
+              <a:t>Learn window without DFT kernel</a:t>
+            </a:r>
+            <a:endParaRPr lang="en-IL" sz="1600" dirty="0">
+              <a:solidFill>
+                <a:schemeClr val="bg1"/>
+              </a:solidFill>
+            </a:endParaRPr>
+          </a:p>
+        </p:txBody>
+      </p:sp>
+      <p:pic>
+        <p:nvPicPr>
+          <p:cNvPr id="11" name="Picture 10">
+            <a:extLst>
+              <a:ext uri="{FF2B5EF4-FFF2-40B4-BE49-F238E27FC236}">
+                <a16:creationId xmlns:a16="http://schemas.microsoft.com/office/drawing/2014/main" id="{E1247049-4158-40FE-A026-09B7E99AF1D1}"/>
+              </a:ext>
+            </a:extLst>
+          </p:cNvPr>
+          <p:cNvPicPr>
+            <a:picLocks noChangeAspect="1"/>
+          </p:cNvPicPr>
+          <p:nvPr/>
+        </p:nvPicPr>
+        <p:blipFill>
+          <a:blip r:embed="rId4"/>
+          <a:stretch>
+            <a:fillRect/>
+          </a:stretch>
+        </p:blipFill>
+        <p:spPr>
+          <a:xfrm>
+            <a:off x="3579950" y="2613948"/>
+            <a:ext cx="2385917" cy="2469389"/>
+          </a:xfrm>
+          <a:prstGeom prst="rect">
+            <a:avLst/>
+          </a:prstGeom>
+        </p:spPr>
+      </p:pic>
+      <p:sp>
+        <p:nvSpPr>
+          <p:cNvPr id="13" name="TextBox 12">
+            <a:extLst>
+              <a:ext uri="{FF2B5EF4-FFF2-40B4-BE49-F238E27FC236}">
+                <a16:creationId xmlns:a16="http://schemas.microsoft.com/office/drawing/2014/main" id="{07DDA399-687E-4F76-9962-75B4B0EA3ACE}"/>
+              </a:ext>
+            </a:extLst>
+          </p:cNvPr>
+          <p:cNvSpPr txBox="1"/>
+          <p:nvPr/>
+        </p:nvSpPr>
+        <p:spPr>
+          <a:xfrm>
+            <a:off x="7589424" y="2224102"/>
+            <a:ext cx="2709973" cy="338554"/>
+          </a:xfrm>
+          <a:prstGeom prst="rect">
+            <a:avLst/>
+          </a:prstGeom>
+          <a:noFill/>
+        </p:spPr>
+        <p:txBody>
+          <a:bodyPr wrap="none" rtlCol="0">
+            <a:spAutoFit/>
+          </a:bodyPr>
+          <a:lstStyle/>
+          <a:p>
+            <a:r>
+              <a:rPr lang="en-US" sz="1600" dirty="0">
+                <a:solidFill>
+                  <a:schemeClr val="bg1"/>
+                </a:solidFill>
+              </a:rPr>
+              <a:t>Learn window with DFT kernel</a:t>
+            </a:r>
+            <a:endParaRPr lang="en-IL" sz="1600" dirty="0">
+              <a:solidFill>
+                <a:schemeClr val="bg1"/>
+              </a:solidFill>
+            </a:endParaRPr>
+          </a:p>
+        </p:txBody>
+      </p:sp>
+      <p:pic>
+        <p:nvPicPr>
+          <p:cNvPr id="15" name="Picture 14">
+            <a:extLst>
+              <a:ext uri="{FF2B5EF4-FFF2-40B4-BE49-F238E27FC236}">
+                <a16:creationId xmlns:a16="http://schemas.microsoft.com/office/drawing/2014/main" id="{D79CFFB0-F3EA-4CB5-97AA-1F1B82503784}"/>
+              </a:ext>
+            </a:extLst>
+          </p:cNvPr>
+          <p:cNvPicPr>
+            <a:picLocks noChangeAspect="1"/>
+          </p:cNvPicPr>
+          <p:nvPr/>
+        </p:nvPicPr>
+        <p:blipFill>
+          <a:blip r:embed="rId5"/>
+          <a:stretch>
+            <a:fillRect/>
+          </a:stretch>
+        </p:blipFill>
+        <p:spPr>
+          <a:xfrm>
+            <a:off x="6539919" y="2609716"/>
+            <a:ext cx="2499321" cy="2469389"/>
+          </a:xfrm>
+          <a:prstGeom prst="rect">
+            <a:avLst/>
+          </a:prstGeom>
+        </p:spPr>
+      </p:pic>
+    </p:spTree>
+    <p:extLst>
+      <p:ext uri="{BB962C8B-B14F-4D97-AF65-F5344CB8AC3E}">
+        <p14:creationId xmlns:p14="http://schemas.microsoft.com/office/powerpoint/2010/main" val="1694854749"/>
+      </p:ext>
+    </p:extLst>
+  </p:cSld>
+  <p:clrMapOvr>
+    <a:masterClrMapping/>
+  </p:clrMapOvr>
+</p:sld>
+</file>
+
+<file path=ppt/slides/slide16.xml><?xml version="1.0" encoding="utf-8"?>
+<p:sld xmlns:a="http://schemas.openxmlformats.org/drawingml/2006/main" xmlns:r="http://schemas.openxmlformats.org/officeDocument/2006/relationships" xmlns:p="http://schemas.openxmlformats.org/presentationml/2006/main">
+  <p:cSld>
+    <p:spTree>
+      <p:nvGrpSpPr>
+        <p:cNvPr id="1" name=""/>
+        <p:cNvGrpSpPr/>
+        <p:nvPr/>
+      </p:nvGrpSpPr>
+      <p:grpSpPr>
+        <a:xfrm>
+          <a:off x="0" y="0"/>
+          <a:ext cx="0" cy="0"/>
+          <a:chOff x="0" y="0"/>
+          <a:chExt cx="0" cy="0"/>
+        </a:xfrm>
+      </p:grpSpPr>
+      <p:sp>
+        <p:nvSpPr>
+          <p:cNvPr id="2" name="Title 1">
+            <a:extLst>
+              <a:ext uri="{FF2B5EF4-FFF2-40B4-BE49-F238E27FC236}">
+                <a16:creationId xmlns:a16="http://schemas.microsoft.com/office/drawing/2014/main" id="{3817CED1-4C79-45BA-956A-A81A35D8D3C8}"/>
+              </a:ext>
+            </a:extLst>
+          </p:cNvPr>
+          <p:cNvSpPr>
+            <a:spLocks noGrp="1"/>
+          </p:cNvSpPr>
+          <p:nvPr>
+            <p:ph type="title"/>
+          </p:nvPr>
+        </p:nvSpPr>
+        <p:spPr/>
+        <p:txBody>
+          <a:bodyPr/>
+          <a:lstStyle/>
+          <a:p>
+            <a:r>
+              <a:rPr lang="en-US" dirty="0"/>
+              <a:t>Conclusion and future work</a:t>
+            </a:r>
+            <a:endParaRPr lang="en-IL" dirty="0"/>
+          </a:p>
+        </p:txBody>
+      </p:sp>
+      <p:sp>
+        <p:nvSpPr>
+          <p:cNvPr id="12" name="Content Placeholder 2">
+            <a:extLst>
+              <a:ext uri="{FF2B5EF4-FFF2-40B4-BE49-F238E27FC236}">
+                <a16:creationId xmlns:a16="http://schemas.microsoft.com/office/drawing/2014/main" id="{DB8F3455-AB73-4040-AD52-B7D9EB2B9FF3}"/>
+              </a:ext>
+            </a:extLst>
+          </p:cNvPr>
+          <p:cNvSpPr>
+            <a:spLocks noGrp="1"/>
+          </p:cNvSpPr>
+          <p:nvPr>
+            <p:ph idx="1"/>
+          </p:nvPr>
+        </p:nvSpPr>
+        <p:spPr>
+          <a:xfrm>
+            <a:off x="838200" y="1743075"/>
+            <a:ext cx="10515600" cy="4338548"/>
+          </a:xfrm>
+        </p:spPr>
+        <p:txBody>
+          <a:bodyPr/>
+          <a:lstStyle/>
+          <a:p>
+            <a:pPr lvl="1"/>
+            <a:r>
+              <a:rPr lang="en-US" sz="2800" dirty="0"/>
+              <a:t>Ada-STFT might be useful in those type’s of 1D tasks</a:t>
+            </a:r>
+          </a:p>
+          <a:p>
+            <a:pPr lvl="1"/>
+            <a:r>
+              <a:rPr lang="en-US" sz="2800" dirty="0"/>
+              <a:t>I</a:t>
+            </a:r>
+            <a:r>
+              <a:rPr lang="en-US" sz="2800" dirty="0">
+                <a:solidFill>
+                  <a:schemeClr val="bg1"/>
+                </a:solidFill>
+              </a:rPr>
+              <a:t>f we have had more time for this project, we would have worked more on hyper-parameter tuning</a:t>
+            </a:r>
+            <a:endParaRPr lang="en-IL" sz="2800" dirty="0">
+              <a:solidFill>
+                <a:schemeClr val="bg1"/>
+              </a:solidFill>
+            </a:endParaRPr>
+          </a:p>
+          <a:p>
+            <a:pPr lvl="1"/>
+            <a:r>
+              <a:rPr lang="en-US" sz="2800" dirty="0"/>
+              <a:t>In order to further explore the capabilities of Ada-STFT, it would be interesting to test this method on other compatible 1D datasets with more samples</a:t>
+            </a:r>
+          </a:p>
+          <a:p>
+            <a:pPr lvl="1"/>
+            <a:r>
+              <a:rPr lang="en-US" sz="2800" dirty="0"/>
+              <a:t>It would be interesting to mathematically analyze the learned window and kernel coefficients</a:t>
+            </a:r>
+          </a:p>
+          <a:p>
+            <a:endParaRPr lang="en-US" dirty="0"/>
+          </a:p>
+        </p:txBody>
+      </p:sp>
+    </p:spTree>
+    <p:extLst>
+      <p:ext uri="{BB962C8B-B14F-4D97-AF65-F5344CB8AC3E}">
+        <p14:creationId xmlns:p14="http://schemas.microsoft.com/office/powerpoint/2010/main" val="1410185599"/>
+      </p:ext>
+    </p:extLst>
+  </p:cSld>
+  <p:clrMapOvr>
+    <a:masterClrMapping/>
+  </p:clrMapOvr>
+</p:sld>
+</file>
+
 <file path=ppt/slides/slide2.xml><?xml version="1.0" encoding="utf-8"?>
 <p:sld xmlns:a="http://schemas.openxmlformats.org/drawingml/2006/main" xmlns:r="http://schemas.openxmlformats.org/officeDocument/2006/relationships" xmlns:p="http://schemas.openxmlformats.org/presentationml/2006/main">
   <p:cSld>
@@ -1167,6 +2730,13 @@
             <a:r>
               <a:rPr lang="en-US" dirty="0"/>
               <a:t>Dataset: GTZAN</a:t>
+            </a:r>
+          </a:p>
+          <a:p>
+            <a:pPr lvl="1"/>
+            <a:r>
+              <a:rPr lang="en-US" dirty="0"/>
+              <a:t>10 classes, 100 audio samples per class</a:t>
             </a:r>
           </a:p>
           <a:p>
@@ -2942,14 +4512,10 @@
         </p:nvSpPr>
         <p:spPr/>
         <p:txBody>
-          <a:bodyPr/>
+          <a:bodyPr>
+            <a:normAutofit/>
+          </a:bodyPr>
           <a:lstStyle/>
-          <a:p>
-            <a:r>
-              <a:rPr lang="en-US" dirty="0"/>
-              <a:t>10 classes, 100 audio samples per class</a:t>
-            </a:r>
-          </a:p>
           <a:p>
             <a:r>
               <a:rPr lang="en-US" dirty="0"/>
@@ -2957,9 +4523,34 @@
             </a:r>
           </a:p>
           <a:p>
+            <a:pPr lvl="1"/>
+            <a:r>
+              <a:rPr lang="en-US" dirty="0"/>
+              <a:t>Each epoch, we cut a random part from each sample</a:t>
+            </a:r>
+          </a:p>
+          <a:p>
             <a:r>
               <a:rPr lang="en-US" dirty="0"/>
               <a:t>For evaluation, the prediction for the complete sample was decided by major vote for each part’s prediction</a:t>
+            </a:r>
+          </a:p>
+          <a:p>
+            <a:pPr marL="0" indent="0">
+              <a:buNone/>
+            </a:pPr>
+            <a:endParaRPr lang="en-US" dirty="0"/>
+          </a:p>
+          <a:p>
+            <a:pPr marL="0" indent="0">
+              <a:buNone/>
+            </a:pPr>
+            <a:endParaRPr lang="en-US" dirty="0"/>
+          </a:p>
+          <a:p>
+            <a:r>
+              <a:rPr lang="en-US" dirty="0"/>
+              <a:t>Audio augmentations: Noise, Gain, Delay</a:t>
             </a:r>
             <a:endParaRPr lang="en-IL" dirty="0"/>
           </a:p>
@@ -2979,8 +4570,8 @@
         </p:nvGrpSpPr>
         <p:grpSpPr>
           <a:xfrm>
-            <a:off x="1406714" y="4352826"/>
-            <a:ext cx="9383333" cy="1155005"/>
+            <a:off x="1205924" y="3623095"/>
+            <a:ext cx="8481540" cy="947387"/>
             <a:chOff x="1406714" y="4352826"/>
             <a:chExt cx="9383333" cy="1155005"/>
           </a:xfrm>
@@ -3291,7 +4882,7 @@
           <a:p>
             <a:r>
               <a:rPr lang="en-US" dirty="0"/>
-              <a:t>Train settings</a:t>
+              <a:t>Hyper-parameter tuning</a:t>
             </a:r>
             <a:endParaRPr lang="en-IL" dirty="0"/>
           </a:p>
@@ -3325,56 +4916,113 @@
           <a:p>
             <a:r>
               <a:rPr lang="en-US" dirty="0"/>
-              <a:t>Given a 30 seconds audio files, we split them to _ parts</a:t>
-            </a:r>
-          </a:p>
-          <a:p>
-            <a:pPr lvl="1"/>
-            <a:r>
-              <a:rPr lang="en-US" dirty="0"/>
-              <a:t>Inference is done using splitting the file and preform major vote</a:t>
-            </a:r>
-          </a:p>
-          <a:p>
-            <a:pPr lvl="1"/>
-            <a:r>
-              <a:rPr lang="en-US" dirty="0"/>
-              <a:t>Training is done each time on a random part of the whole file</a:t>
-            </a:r>
-          </a:p>
-          <a:p>
-            <a:r>
-              <a:rPr lang="en-US" dirty="0"/>
-              <a:t>We preform random audio augmentations: Noise, Gain, Delay</a:t>
-            </a:r>
-          </a:p>
-          <a:p>
-            <a:r>
-              <a:rPr lang="en-US" dirty="0"/>
-              <a:t>We used Optuna Library to tune the following parameters:</a:t>
-            </a:r>
-          </a:p>
-          <a:p>
-            <a:pPr lvl="1"/>
-            <a:r>
-              <a:rPr lang="en-US" dirty="0"/>
-              <a:t>Parts to split, Optimizer, Learning rate, Scheduler gamma, Using augmentation</a:t>
-            </a:r>
-          </a:p>
-          <a:p>
-            <a:r>
-              <a:rPr lang="en-US" dirty="0"/>
-              <a:t>We used Cross Entropy loss as our criterion</a:t>
-            </a:r>
-          </a:p>
-          <a:p>
-            <a:r>
-              <a:rPr lang="en-US" dirty="0"/>
-              <a:t>We kept track on our trials using the tensorboard library</a:t>
-            </a:r>
+              <a:t>We used the Optuna library to tune the following hyper-parameters: </a:t>
+            </a:r>
+            <a:r>
+              <a:rPr lang="en-US" sz="2400" dirty="0"/>
+              <a:t>optimizer algorithm, learning rate, exponential decay scheduler’s gamma, number of parts to split each sample, whether to use augmentations</a:t>
+            </a:r>
+          </a:p>
+          <a:p>
+            <a:endParaRPr lang="en-US" sz="2000" dirty="0"/>
+          </a:p>
+          <a:p>
+            <a:endParaRPr lang="en-US" dirty="0"/>
+          </a:p>
+          <a:p>
+            <a:endParaRPr lang="en-US" dirty="0"/>
+          </a:p>
+          <a:p>
+            <a:endParaRPr lang="en-US" dirty="0"/>
+          </a:p>
+          <a:p>
+            <a:pPr marL="0" indent="0">
+              <a:buNone/>
+            </a:pPr>
+            <a:endParaRPr lang="en-US" dirty="0"/>
           </a:p>
         </p:txBody>
       </p:sp>
+      <p:sp>
+        <p:nvSpPr>
+          <p:cNvPr id="3" name="AutoShape 2">
+            <a:extLst>
+              <a:ext uri="{FF2B5EF4-FFF2-40B4-BE49-F238E27FC236}">
+                <a16:creationId xmlns:a16="http://schemas.microsoft.com/office/drawing/2014/main" id="{CE9012DF-6038-43F3-A508-8FAF45886746}"/>
+              </a:ext>
+            </a:extLst>
+          </p:cNvPr>
+          <p:cNvSpPr>
+            <a:spLocks noChangeAspect="1" noChangeArrowheads="1"/>
+          </p:cNvSpPr>
+          <p:nvPr/>
+        </p:nvSpPr>
+        <p:spPr bwMode="auto">
+          <a:xfrm>
+            <a:off x="5943600" y="3276600"/>
+            <a:ext cx="304800" cy="304800"/>
+          </a:xfrm>
+          <a:prstGeom prst="rect">
+            <a:avLst/>
+          </a:prstGeom>
+          <a:noFill/>
+          <a:extLst>
+            <a:ext uri="{909E8E84-426E-40DD-AFC4-6F175D3DCCD1}">
+              <a14:hiddenFill xmlns:a14="http://schemas.microsoft.com/office/drawing/2010/main">
+                <a:solidFill>
+                  <a:srgbClr val="FFFFFF"/>
+                </a:solidFill>
+              </a14:hiddenFill>
+            </a:ext>
+          </a:extLst>
+        </p:spPr>
+        <p:txBody>
+          <a:bodyPr vert="horz" wrap="square" lIns="91440" tIns="45720" rIns="91440" bIns="45720" numCol="1" anchor="t" anchorCtr="0" compatLnSpc="1">
+            <a:prstTxWarp prst="textNoShape">
+              <a:avLst/>
+            </a:prstTxWarp>
+          </a:bodyPr>
+          <a:lstStyle/>
+          <a:p>
+            <a:endParaRPr lang="en-IL"/>
+          </a:p>
+        </p:txBody>
+      </p:sp>
+      <p:pic>
+        <p:nvPicPr>
+          <p:cNvPr id="5" name="Picture 4" descr="Chart&#10;&#10;Description automatically generated">
+            <a:extLst>
+              <a:ext uri="{FF2B5EF4-FFF2-40B4-BE49-F238E27FC236}">
+                <a16:creationId xmlns:a16="http://schemas.microsoft.com/office/drawing/2014/main" id="{8D2FCB07-487A-4358-AA0E-C1CE0A90893C}"/>
+              </a:ext>
+            </a:extLst>
+          </p:cNvPr>
+          <p:cNvPicPr>
+            <a:picLocks noChangeAspect="1"/>
+          </p:cNvPicPr>
+          <p:nvPr/>
+        </p:nvPicPr>
+        <p:blipFill rotWithShape="1">
+          <a:blip r:embed="rId2">
+            <a:extLst>
+              <a:ext uri="{28A0092B-C50C-407E-A947-70E740481C1C}">
+                <a14:useLocalDpi xmlns:a14="http://schemas.microsoft.com/office/drawing/2010/main" val="0"/>
+              </a:ext>
+            </a:extLst>
+          </a:blip>
+          <a:srcRect b="7753"/>
+          <a:stretch/>
+        </p:blipFill>
+        <p:spPr>
+          <a:xfrm>
+            <a:off x="1957073" y="2894508"/>
+            <a:ext cx="8277854" cy="2962827"/>
+          </a:xfrm>
+          <a:prstGeom prst="rect">
+            <a:avLst/>
+          </a:prstGeom>
+        </p:spPr>
+      </p:pic>
     </p:spTree>
     <p:extLst>
       <p:ext uri="{BB962C8B-B14F-4D97-AF65-F5344CB8AC3E}">

--- a/images/AdaSTFT.pptx
+++ b/images/AdaSTFT.pptx
@@ -21,6 +21,7 @@
     <p:sldId id="272" r:id="rId15"/>
     <p:sldId id="274" r:id="rId16"/>
     <p:sldId id="275" r:id="rId17"/>
+    <p:sldId id="276" r:id="rId18"/>
   </p:sldIdLst>
   <p:sldSz cx="12192000" cy="6858000"/>
   <p:notesSz cx="6858000" cy="9144000"/>
@@ -1178,6 +1179,10 @@
           </a:bodyPr>
           <a:lstStyle/>
           <a:p>
+            <a:r>
+              <a:rPr lang="en-US" sz="8000" dirty="0"/>
+              <a:t>Ada-STFT</a:t>
+            </a:r>
             <a:endParaRPr lang="en-IL" sz="8000" dirty="0"/>
           </a:p>
         </p:txBody>
@@ -1213,7 +1218,7 @@
           <a:p>
             <a:r>
               <a:rPr lang="en-US" sz="2800" dirty="0"/>
-              <a:t>By: Noam Elata and Rotem Idelson</a:t>
+              <a:t>By Noam Elata and Rotem Idelson</a:t>
             </a:r>
             <a:endParaRPr lang="en-IL" sz="2800" dirty="0"/>
           </a:p>
@@ -2048,7 +2053,7 @@
         <p:spPr>
           <a:xfrm>
             <a:off x="1787342" y="4182182"/>
-            <a:ext cx="2431756" cy="369332"/>
+            <a:ext cx="2314736" cy="369332"/>
           </a:xfrm>
           <a:prstGeom prst="rect">
             <a:avLst/>
@@ -2067,7 +2072,7 @@
                   <a:schemeClr val="bg1"/>
                 </a:solidFill>
               </a:rPr>
-              <a:t>Learn 3 windows – 0.63</a:t>
+              <a:t>Learn 3 windows – 0.6</a:t>
             </a:r>
             <a:endParaRPr lang="en-IL" b="1" dirty="0">
               <a:solidFill>
@@ -2187,8 +2192,38 @@
         </p:blipFill>
         <p:spPr>
           <a:xfrm>
-            <a:off x="1895088" y="4551514"/>
+            <a:off x="7844542" y="4546856"/>
             <a:ext cx="2216264" cy="2171812"/>
+          </a:xfrm>
+          <a:prstGeom prst="rect">
+            <a:avLst/>
+          </a:prstGeom>
+        </p:spPr>
+      </p:pic>
+      <p:pic>
+        <p:nvPicPr>
+          <p:cNvPr id="25" name="Picture 24">
+            <a:extLst>
+              <a:ext uri="{FF2B5EF4-FFF2-40B4-BE49-F238E27FC236}">
+                <a16:creationId xmlns:a16="http://schemas.microsoft.com/office/drawing/2014/main" id="{B39DB883-FB49-4313-B353-08505A715DAD}"/>
+              </a:ext>
+            </a:extLst>
+          </p:cNvPr>
+          <p:cNvPicPr>
+            <a:picLocks noChangeAspect="1"/>
+          </p:cNvPicPr>
+          <p:nvPr/>
+        </p:nvPicPr>
+        <p:blipFill>
+          <a:blip r:embed="rId7"/>
+          <a:stretch>
+            <a:fillRect/>
+          </a:stretch>
+        </p:blipFill>
+        <p:spPr>
+          <a:xfrm>
+            <a:off x="1869687" y="4549885"/>
+            <a:ext cx="2267066" cy="2168783"/>
           </a:xfrm>
           <a:prstGeom prst="rect">
             <a:avLst/>
@@ -2282,8 +2317,8 @@
         </p:blipFill>
         <p:spPr>
           <a:xfrm>
-            <a:off x="588785" y="2613948"/>
-            <a:ext cx="2417112" cy="2460927"/>
+            <a:off x="752687" y="1841965"/>
+            <a:ext cx="2100186" cy="2138256"/>
           </a:xfrm>
           <a:prstGeom prst="rect">
             <a:avLst/>
@@ -2311,8 +2346,8 @@
         </p:blipFill>
         <p:spPr>
           <a:xfrm>
-            <a:off x="9259452" y="2609716"/>
-            <a:ext cx="2466818" cy="2469389"/>
+            <a:off x="9206913" y="1831095"/>
+            <a:ext cx="2146887" cy="2149125"/>
           </a:xfrm>
           <a:prstGeom prst="rect">
             <a:avLst/>
@@ -2333,7 +2368,7 @@
         </p:nvSpPr>
         <p:spPr>
           <a:xfrm>
-            <a:off x="510044" y="2211919"/>
+            <a:off x="415154" y="1444168"/>
             <a:ext cx="2492862" cy="338554"/>
           </a:xfrm>
           <a:prstGeom prst="rect">
@@ -2377,7 +2412,7 @@
         </p:nvSpPr>
         <p:spPr>
           <a:xfrm>
-            <a:off x="3361519" y="2211919"/>
+            <a:off x="3266629" y="1444168"/>
             <a:ext cx="2995307" cy="338554"/>
           </a:xfrm>
           <a:prstGeom prst="rect">
@@ -2429,8 +2464,8 @@
         </p:blipFill>
         <p:spPr>
           <a:xfrm>
-            <a:off x="3579950" y="2613948"/>
-            <a:ext cx="2385917" cy="2469389"/>
+            <a:off x="3821502" y="1846198"/>
+            <a:ext cx="2072389" cy="2144892"/>
           </a:xfrm>
           <a:prstGeom prst="rect">
             <a:avLst/>
@@ -2451,7 +2486,7 @@
         </p:nvSpPr>
         <p:spPr>
           <a:xfrm>
-            <a:off x="7589424" y="2224102"/>
+            <a:off x="7494534" y="1456351"/>
             <a:ext cx="2709973" cy="338554"/>
           </a:xfrm>
           <a:prstGeom prst="rect">
@@ -2503,14 +2538,102 @@
         </p:blipFill>
         <p:spPr>
           <a:xfrm>
-            <a:off x="6539919" y="2609716"/>
-            <a:ext cx="2499321" cy="2469389"/>
+            <a:off x="6797463" y="1841965"/>
+            <a:ext cx="2175175" cy="2149125"/>
           </a:xfrm>
           <a:prstGeom prst="rect">
             <a:avLst/>
           </a:prstGeom>
         </p:spPr>
       </p:pic>
+      <p:sp>
+        <p:nvSpPr>
+          <p:cNvPr id="18" name="TextBox 17">
+            <a:extLst>
+              <a:ext uri="{FF2B5EF4-FFF2-40B4-BE49-F238E27FC236}">
+                <a16:creationId xmlns:a16="http://schemas.microsoft.com/office/drawing/2014/main" id="{8C44DCFD-4B84-4618-85D1-1082108217DB}"/>
+              </a:ext>
+            </a:extLst>
+          </p:cNvPr>
+          <p:cNvSpPr txBox="1"/>
+          <p:nvPr/>
+        </p:nvSpPr>
+        <p:spPr>
+          <a:xfrm>
+            <a:off x="2206108" y="4305944"/>
+            <a:ext cx="2876365" cy="338554"/>
+          </a:xfrm>
+          <a:prstGeom prst="rect">
+            <a:avLst/>
+          </a:prstGeom>
+          <a:noFill/>
+        </p:spPr>
+        <p:txBody>
+          <a:bodyPr wrap="none" rtlCol="0">
+            <a:spAutoFit/>
+          </a:bodyPr>
+          <a:lstStyle/>
+          <a:p>
+            <a:r>
+              <a:rPr lang="en-US" sz="1600" dirty="0">
+                <a:solidFill>
+                  <a:schemeClr val="bg1"/>
+                </a:solidFill>
+              </a:rPr>
+              <a:t>DFT’s kernel coefficients change</a:t>
+            </a:r>
+            <a:endParaRPr lang="en-IL" sz="1600" dirty="0">
+              <a:solidFill>
+                <a:schemeClr val="bg1"/>
+              </a:solidFill>
+            </a:endParaRPr>
+          </a:p>
+        </p:txBody>
+      </p:sp>
+      <p:sp>
+        <p:nvSpPr>
+          <p:cNvPr id="19" name="TextBox 18">
+            <a:extLst>
+              <a:ext uri="{FF2B5EF4-FFF2-40B4-BE49-F238E27FC236}">
+                <a16:creationId xmlns:a16="http://schemas.microsoft.com/office/drawing/2014/main" id="{AB844AD5-4FA3-4190-8D95-E08CC36E070E}"/>
+              </a:ext>
+            </a:extLst>
+          </p:cNvPr>
+          <p:cNvSpPr txBox="1"/>
+          <p:nvPr/>
+        </p:nvSpPr>
+        <p:spPr>
+          <a:xfrm>
+            <a:off x="7146535" y="4305944"/>
+            <a:ext cx="2652842" cy="338554"/>
+          </a:xfrm>
+          <a:prstGeom prst="rect">
+            <a:avLst/>
+          </a:prstGeom>
+          <a:noFill/>
+        </p:spPr>
+        <p:txBody>
+          <a:bodyPr wrap="none" rtlCol="0">
+            <a:spAutoFit/>
+          </a:bodyPr>
+          <a:lstStyle/>
+          <a:p>
+            <a:r>
+              <a:rPr lang="en-US" sz="1600" dirty="0">
+                <a:solidFill>
+                  <a:schemeClr val="bg1"/>
+                </a:solidFill>
+              </a:rPr>
+              <a:t>Window’s coefficients change</a:t>
+            </a:r>
+            <a:endParaRPr lang="en-IL" sz="1600" dirty="0">
+              <a:solidFill>
+                <a:schemeClr val="bg1"/>
+              </a:solidFill>
+            </a:endParaRPr>
+          </a:p>
+        </p:txBody>
+      </p:sp>
     </p:spTree>
     <p:extLst>
       <p:ext uri="{BB962C8B-B14F-4D97-AF65-F5344CB8AC3E}">
@@ -2645,6 +2768,65 @@
     <p:extLst>
       <p:ext uri="{BB962C8B-B14F-4D97-AF65-F5344CB8AC3E}">
         <p14:creationId xmlns:p14="http://schemas.microsoft.com/office/powerpoint/2010/main" val="1410185599"/>
+      </p:ext>
+    </p:extLst>
+  </p:cSld>
+  <p:clrMapOvr>
+    <a:masterClrMapping/>
+  </p:clrMapOvr>
+</p:sld>
+</file>
+
+<file path=ppt/slides/slide17.xml><?xml version="1.0" encoding="utf-8"?>
+<p:sld xmlns:a="http://schemas.openxmlformats.org/drawingml/2006/main" xmlns:r="http://schemas.openxmlformats.org/officeDocument/2006/relationships" xmlns:p="http://schemas.openxmlformats.org/presentationml/2006/main">
+  <p:cSld>
+    <p:spTree>
+      <p:nvGrpSpPr>
+        <p:cNvPr id="1" name=""/>
+        <p:cNvGrpSpPr/>
+        <p:nvPr/>
+      </p:nvGrpSpPr>
+      <p:grpSpPr>
+        <a:xfrm>
+          <a:off x="0" y="0"/>
+          <a:ext cx="0" cy="0"/>
+          <a:chOff x="0" y="0"/>
+          <a:chExt cx="0" cy="0"/>
+        </a:xfrm>
+      </p:grpSpPr>
+      <p:sp>
+        <p:nvSpPr>
+          <p:cNvPr id="4" name="Title 3">
+            <a:extLst>
+              <a:ext uri="{FF2B5EF4-FFF2-40B4-BE49-F238E27FC236}">
+                <a16:creationId xmlns:a16="http://schemas.microsoft.com/office/drawing/2014/main" id="{98AB130F-D68F-40E5-A79E-1A53A0B4220F}"/>
+              </a:ext>
+            </a:extLst>
+          </p:cNvPr>
+          <p:cNvSpPr>
+            <a:spLocks noGrp="1"/>
+          </p:cNvSpPr>
+          <p:nvPr>
+            <p:ph type="ctrTitle"/>
+          </p:nvPr>
+        </p:nvSpPr>
+        <p:spPr/>
+        <p:txBody>
+          <a:bodyPr/>
+          <a:lstStyle/>
+          <a:p>
+            <a:r>
+              <a:rPr lang="en-US" dirty="0"/>
+              <a:t>Thanks for listening!</a:t>
+            </a:r>
+            <a:endParaRPr lang="en-IL" dirty="0"/>
+          </a:p>
+        </p:txBody>
+      </p:sp>
+    </p:spTree>
+    <p:extLst>
+      <p:ext uri="{BB962C8B-B14F-4D97-AF65-F5344CB8AC3E}">
+        <p14:creationId xmlns:p14="http://schemas.microsoft.com/office/powerpoint/2010/main" val="2272367240"/>
       </p:ext>
     </p:extLst>
   </p:cSld>

--- a/images/AdaSTFT.pptx
+++ b/images/AdaSTFT.pptx
@@ -19,9 +19,10 @@
     <p:sldId id="269" r:id="rId13"/>
     <p:sldId id="270" r:id="rId14"/>
     <p:sldId id="272" r:id="rId15"/>
-    <p:sldId id="274" r:id="rId16"/>
-    <p:sldId id="275" r:id="rId17"/>
-    <p:sldId id="276" r:id="rId18"/>
+    <p:sldId id="277" r:id="rId16"/>
+    <p:sldId id="274" r:id="rId17"/>
+    <p:sldId id="275" r:id="rId18"/>
+    <p:sldId id="276" r:id="rId19"/>
   </p:sldIdLst>
   <p:sldSz cx="12192000" cy="6858000"/>
   <p:notesSz cx="6858000" cy="9144000"/>
@@ -1615,6 +1616,72 @@
           </a:p>
         </p:txBody>
       </p:sp>
+      <p:pic>
+        <p:nvPicPr>
+          <p:cNvPr id="4" name="Picture 3" descr="Chart, histogram&#10;&#10;Description automatically generated">
+            <a:extLst>
+              <a:ext uri="{FF2B5EF4-FFF2-40B4-BE49-F238E27FC236}">
+                <a16:creationId xmlns:a16="http://schemas.microsoft.com/office/drawing/2014/main" id="{8D448773-FFB6-436A-8667-F09CDBCB9090}"/>
+              </a:ext>
+            </a:extLst>
+          </p:cNvPr>
+          <p:cNvPicPr>
+            <a:picLocks noChangeAspect="1"/>
+          </p:cNvPicPr>
+          <p:nvPr/>
+        </p:nvPicPr>
+        <p:blipFill>
+          <a:blip r:embed="rId2">
+            <a:extLst>
+              <a:ext uri="{28A0092B-C50C-407E-A947-70E740481C1C}">
+                <a14:useLocalDpi xmlns:a14="http://schemas.microsoft.com/office/drawing/2010/main" val="0"/>
+              </a:ext>
+            </a:extLst>
+          </a:blip>
+          <a:stretch>
+            <a:fillRect/>
+          </a:stretch>
+        </p:blipFill>
+        <p:spPr>
+          <a:xfrm>
+            <a:off x="1484551" y="1691594"/>
+            <a:ext cx="9869249" cy="3924202"/>
+          </a:xfrm>
+          <a:prstGeom prst="rect">
+            <a:avLst/>
+          </a:prstGeom>
+        </p:spPr>
+      </p:pic>
+      <p:pic>
+        <p:nvPicPr>
+          <p:cNvPr id="6" name="Picture 5">
+            <a:extLst>
+              <a:ext uri="{FF2B5EF4-FFF2-40B4-BE49-F238E27FC236}">
+                <a16:creationId xmlns:a16="http://schemas.microsoft.com/office/drawing/2014/main" id="{CD1E7AFD-5490-4C64-AEB2-B4F3A0F27CF7}"/>
+              </a:ext>
+            </a:extLst>
+          </p:cNvPr>
+          <p:cNvPicPr>
+            <a:picLocks noChangeAspect="1"/>
+          </p:cNvPicPr>
+          <p:nvPr/>
+        </p:nvPicPr>
+        <p:blipFill>
+          <a:blip r:embed="rId3"/>
+          <a:stretch>
+            <a:fillRect/>
+          </a:stretch>
+        </p:blipFill>
+        <p:spPr>
+          <a:xfrm>
+            <a:off x="9351034" y="1691594"/>
+            <a:ext cx="2002766" cy="1947897"/>
+          </a:xfrm>
+          <a:prstGeom prst="rect">
+            <a:avLst/>
+          </a:prstGeom>
+        </p:spPr>
+      </p:pic>
     </p:spTree>
     <p:extLst>
       <p:ext uri="{BB962C8B-B14F-4D97-AF65-F5344CB8AC3E}">
@@ -1680,6 +1747,72 @@
           </a:p>
         </p:txBody>
       </p:sp>
+      <p:pic>
+        <p:nvPicPr>
+          <p:cNvPr id="4" name="Picture 3" descr="Chart&#10;&#10;Description automatically generated">
+            <a:extLst>
+              <a:ext uri="{FF2B5EF4-FFF2-40B4-BE49-F238E27FC236}">
+                <a16:creationId xmlns:a16="http://schemas.microsoft.com/office/drawing/2014/main" id="{445D3806-D9A9-4127-BDC6-D364C2275331}"/>
+              </a:ext>
+            </a:extLst>
+          </p:cNvPr>
+          <p:cNvPicPr>
+            <a:picLocks noChangeAspect="1"/>
+          </p:cNvPicPr>
+          <p:nvPr/>
+        </p:nvPicPr>
+        <p:blipFill>
+          <a:blip r:embed="rId2">
+            <a:extLst>
+              <a:ext uri="{28A0092B-C50C-407E-A947-70E740481C1C}">
+                <a14:useLocalDpi xmlns:a14="http://schemas.microsoft.com/office/drawing/2010/main" val="0"/>
+              </a:ext>
+            </a:extLst>
+          </a:blip>
+          <a:stretch>
+            <a:fillRect/>
+          </a:stretch>
+        </p:blipFill>
+        <p:spPr>
+          <a:xfrm>
+            <a:off x="416813" y="1572931"/>
+            <a:ext cx="9922810" cy="3913778"/>
+          </a:xfrm>
+          <a:prstGeom prst="rect">
+            <a:avLst/>
+          </a:prstGeom>
+        </p:spPr>
+      </p:pic>
+      <p:pic>
+        <p:nvPicPr>
+          <p:cNvPr id="6" name="Picture 5">
+            <a:extLst>
+              <a:ext uri="{FF2B5EF4-FFF2-40B4-BE49-F238E27FC236}">
+                <a16:creationId xmlns:a16="http://schemas.microsoft.com/office/drawing/2014/main" id="{D3FDEA09-C564-4379-8434-8B616F72FAB9}"/>
+              </a:ext>
+            </a:extLst>
+          </p:cNvPr>
+          <p:cNvPicPr>
+            <a:picLocks noChangeAspect="1"/>
+          </p:cNvPicPr>
+          <p:nvPr/>
+        </p:nvPicPr>
+        <p:blipFill>
+          <a:blip r:embed="rId3"/>
+          <a:stretch>
+            <a:fillRect/>
+          </a:stretch>
+        </p:blipFill>
+        <p:spPr>
+          <a:xfrm>
+            <a:off x="10422147" y="2597777"/>
+            <a:ext cx="1709274" cy="1662446"/>
+          </a:xfrm>
+          <a:prstGeom prst="rect">
+            <a:avLst/>
+          </a:prstGeom>
+        </p:spPr>
+      </p:pic>
     </p:spTree>
     <p:extLst>
       <p:ext uri="{BB962C8B-B14F-4D97-AF65-F5344CB8AC3E}">
@@ -2096,8 +2229,8 @@
         </p:nvSpPr>
         <p:spPr>
           <a:xfrm>
-            <a:off x="5181304" y="4182182"/>
-            <a:ext cx="1381212" cy="369332"/>
+            <a:off x="4840765" y="4180553"/>
+            <a:ext cx="2014398" cy="369332"/>
           </a:xfrm>
           <a:prstGeom prst="rect">
             <a:avLst/>
@@ -2116,7 +2249,7 @@
                   <a:schemeClr val="bg1"/>
                 </a:solidFill>
               </a:rPr>
-              <a:t>Learn 3 DFTs</a:t>
+              <a:t>Learn 3 DFTs – 0.65</a:t>
             </a:r>
             <a:endParaRPr lang="en-IL" b="1" dirty="0">
               <a:solidFill>
@@ -2140,8 +2273,8 @@
         </p:nvSpPr>
         <p:spPr>
           <a:xfrm>
-            <a:off x="7656404" y="4180553"/>
-            <a:ext cx="2706575" cy="369332"/>
+            <a:off x="7345854" y="4180553"/>
+            <a:ext cx="3339760" cy="369332"/>
           </a:xfrm>
           <a:prstGeom prst="rect">
             <a:avLst/>
@@ -2160,7 +2293,7 @@
                   <a:schemeClr val="bg1"/>
                 </a:solidFill>
               </a:rPr>
-              <a:t>Learn 3 windows and DFTs</a:t>
+              <a:t>Learn 3 windows and DFTs – 0.63</a:t>
             </a:r>
             <a:endParaRPr lang="en-IL" b="1" dirty="0">
               <a:solidFill>
@@ -2224,6 +2357,36 @@
           <a:xfrm>
             <a:off x="1869687" y="4549885"/>
             <a:ext cx="2267066" cy="2168783"/>
+          </a:xfrm>
+          <a:prstGeom prst="rect">
+            <a:avLst/>
+          </a:prstGeom>
+        </p:spPr>
+      </p:pic>
+      <p:pic>
+        <p:nvPicPr>
+          <p:cNvPr id="27" name="Picture 26">
+            <a:extLst>
+              <a:ext uri="{FF2B5EF4-FFF2-40B4-BE49-F238E27FC236}">
+                <a16:creationId xmlns:a16="http://schemas.microsoft.com/office/drawing/2014/main" id="{8D324A59-08ED-4B4D-9F0F-6D237270FCC4}"/>
+              </a:ext>
+            </a:extLst>
+          </p:cNvPr>
+          <p:cNvPicPr>
+            <a:picLocks noChangeAspect="1"/>
+          </p:cNvPicPr>
+          <p:nvPr/>
+        </p:nvPicPr>
+        <p:blipFill>
+          <a:blip r:embed="rId8"/>
+          <a:stretch>
+            <a:fillRect/>
+          </a:stretch>
+        </p:blipFill>
+        <p:spPr>
+          <a:xfrm>
+            <a:off x="4840765" y="4540506"/>
+            <a:ext cx="2197213" cy="2178162"/>
           </a:xfrm>
           <a:prstGeom prst="rect">
             <a:avLst/>
@@ -2278,29 +2441,71 @@
         </p:nvSpPr>
         <p:spPr/>
         <p:txBody>
-          <a:bodyPr>
-            <a:normAutofit/>
+          <a:bodyPr/>
+          <a:lstStyle/>
+          <a:p>
+            <a:r>
+              <a:rPr lang="en-US" dirty="0"/>
+              <a:t>Our Results </a:t>
+            </a:r>
+            <a:r>
+              <a:rPr lang="en-US" sz="3200" dirty="0"/>
+              <a:t>Test Accuracy</a:t>
+            </a:r>
+            <a:endParaRPr lang="en-IL" sz="3200" dirty="0"/>
+          </a:p>
+        </p:txBody>
+      </p:sp>
+      <p:sp>
+        <p:nvSpPr>
+          <p:cNvPr id="17" name="TextBox 16">
+            <a:extLst>
+              <a:ext uri="{FF2B5EF4-FFF2-40B4-BE49-F238E27FC236}">
+                <a16:creationId xmlns:a16="http://schemas.microsoft.com/office/drawing/2014/main" id="{797913DF-BDF3-4A7F-A0F7-18932269A05D}"/>
+              </a:ext>
+            </a:extLst>
+          </p:cNvPr>
+          <p:cNvSpPr txBox="1"/>
+          <p:nvPr/>
+        </p:nvSpPr>
+        <p:spPr>
+          <a:xfrm>
+            <a:off x="4445334" y="1709885"/>
+            <a:ext cx="3003899" cy="369332"/>
+          </a:xfrm>
+          <a:prstGeom prst="rect">
+            <a:avLst/>
+          </a:prstGeom>
+          <a:noFill/>
+        </p:spPr>
+        <p:txBody>
+          <a:bodyPr wrap="none" rtlCol="0">
+            <a:spAutoFit/>
           </a:bodyPr>
           <a:lstStyle/>
           <a:p>
             <a:r>
-              <a:rPr lang="en-US" dirty="0"/>
-              <a:t>Our Results </a:t>
-            </a:r>
-            <a:r>
-              <a:rPr lang="en-US" sz="3200" dirty="0"/>
-              <a:t>Some of the learnable windows</a:t>
-            </a:r>
-            <a:endParaRPr lang="en-IL" dirty="0"/>
+              <a:rPr lang="en-US" b="1" dirty="0">
+                <a:solidFill>
+                  <a:schemeClr val="bg1"/>
+                </a:solidFill>
+              </a:rPr>
+              <a:t>Learn window and DFT – 0.66</a:t>
+            </a:r>
+            <a:endParaRPr lang="en-IL" b="1" dirty="0">
+              <a:solidFill>
+                <a:schemeClr val="bg1"/>
+              </a:solidFill>
+            </a:endParaRPr>
           </a:p>
         </p:txBody>
       </p:sp>
       <p:pic>
         <p:nvPicPr>
-          <p:cNvPr id="4" name="Picture 3">
-            <a:extLst>
-              <a:ext uri="{FF2B5EF4-FFF2-40B4-BE49-F238E27FC236}">
-                <a16:creationId xmlns:a16="http://schemas.microsoft.com/office/drawing/2014/main" id="{A5546440-35E6-44FF-A75C-3F953933A7B3}"/>
+          <p:cNvPr id="5" name="Picture 4">
+            <a:extLst>
+              <a:ext uri="{FF2B5EF4-FFF2-40B4-BE49-F238E27FC236}">
+                <a16:creationId xmlns:a16="http://schemas.microsoft.com/office/drawing/2014/main" id="{589EF295-90F9-4902-A211-981752CEB44E}"/>
               </a:ext>
             </a:extLst>
           </p:cNvPr>
@@ -2317,327 +2522,18 @@
         </p:blipFill>
         <p:spPr>
           <a:xfrm>
-            <a:off x="752687" y="1841965"/>
-            <a:ext cx="2100186" cy="2138256"/>
+            <a:off x="3854561" y="2079217"/>
+            <a:ext cx="4185446" cy="4016147"/>
           </a:xfrm>
           <a:prstGeom prst="rect">
             <a:avLst/>
           </a:prstGeom>
         </p:spPr>
       </p:pic>
-      <p:pic>
-        <p:nvPicPr>
-          <p:cNvPr id="7" name="Picture 6">
-            <a:extLst>
-              <a:ext uri="{FF2B5EF4-FFF2-40B4-BE49-F238E27FC236}">
-                <a16:creationId xmlns:a16="http://schemas.microsoft.com/office/drawing/2014/main" id="{6D4F8500-2A0E-4B2C-A7AC-EEBE265F84C0}"/>
-              </a:ext>
-            </a:extLst>
-          </p:cNvPr>
-          <p:cNvPicPr>
-            <a:picLocks noChangeAspect="1"/>
-          </p:cNvPicPr>
-          <p:nvPr/>
-        </p:nvPicPr>
-        <p:blipFill rotWithShape="1">
-          <a:blip r:embed="rId3"/>
-          <a:srcRect l="7708" t="4772" r="8512"/>
-          <a:stretch/>
-        </p:blipFill>
-        <p:spPr>
-          <a:xfrm>
-            <a:off x="9206913" y="1831095"/>
-            <a:ext cx="2146887" cy="2149125"/>
-          </a:xfrm>
-          <a:prstGeom prst="rect">
-            <a:avLst/>
-          </a:prstGeom>
-        </p:spPr>
-      </p:pic>
-      <p:sp>
-        <p:nvSpPr>
-          <p:cNvPr id="9" name="TextBox 8">
-            <a:extLst>
-              <a:ext uri="{FF2B5EF4-FFF2-40B4-BE49-F238E27FC236}">
-                <a16:creationId xmlns:a16="http://schemas.microsoft.com/office/drawing/2014/main" id="{41E02F09-8230-4599-BDBA-CB0FA959C0BB}"/>
-              </a:ext>
-            </a:extLst>
-          </p:cNvPr>
-          <p:cNvSpPr txBox="1"/>
-          <p:nvPr/>
-        </p:nvSpPr>
-        <p:spPr>
-          <a:xfrm>
-            <a:off x="415154" y="1444168"/>
-            <a:ext cx="2492862" cy="338554"/>
-          </a:xfrm>
-          <a:prstGeom prst="rect">
-            <a:avLst/>
-          </a:prstGeom>
-          <a:noFill/>
-        </p:spPr>
-        <p:txBody>
-          <a:bodyPr wrap="none" rtlCol="0">
-            <a:spAutoFit/>
-          </a:bodyPr>
-          <a:lstStyle/>
-          <a:p>
-            <a:r>
-              <a:rPr lang="en-US" sz="1600" dirty="0">
-                <a:solidFill>
-                  <a:schemeClr val="bg1"/>
-                </a:solidFill>
-              </a:rPr>
-              <a:t>Initiated with Hann window</a:t>
-            </a:r>
-            <a:endParaRPr lang="en-IL" sz="1600" dirty="0">
-              <a:solidFill>
-                <a:schemeClr val="bg1"/>
-              </a:solidFill>
-            </a:endParaRPr>
-          </a:p>
-        </p:txBody>
-      </p:sp>
-      <p:sp>
-        <p:nvSpPr>
-          <p:cNvPr id="10" name="TextBox 9">
-            <a:extLst>
-              <a:ext uri="{FF2B5EF4-FFF2-40B4-BE49-F238E27FC236}">
-                <a16:creationId xmlns:a16="http://schemas.microsoft.com/office/drawing/2014/main" id="{71598F59-9F8D-4279-ABA6-2EC59BB737A9}"/>
-              </a:ext>
-            </a:extLst>
-          </p:cNvPr>
-          <p:cNvSpPr txBox="1"/>
-          <p:nvPr/>
-        </p:nvSpPr>
-        <p:spPr>
-          <a:xfrm>
-            <a:off x="3266629" y="1444168"/>
-            <a:ext cx="2995307" cy="338554"/>
-          </a:xfrm>
-          <a:prstGeom prst="rect">
-            <a:avLst/>
-          </a:prstGeom>
-          <a:noFill/>
-        </p:spPr>
-        <p:txBody>
-          <a:bodyPr wrap="none" rtlCol="0">
-            <a:spAutoFit/>
-          </a:bodyPr>
-          <a:lstStyle/>
-          <a:p>
-            <a:r>
-              <a:rPr lang="en-US" sz="1600" dirty="0">
-                <a:solidFill>
-                  <a:schemeClr val="bg1"/>
-                </a:solidFill>
-              </a:rPr>
-              <a:t>Learn window without DFT kernel</a:t>
-            </a:r>
-            <a:endParaRPr lang="en-IL" sz="1600" dirty="0">
-              <a:solidFill>
-                <a:schemeClr val="bg1"/>
-              </a:solidFill>
-            </a:endParaRPr>
-          </a:p>
-        </p:txBody>
-      </p:sp>
-      <p:pic>
-        <p:nvPicPr>
-          <p:cNvPr id="11" name="Picture 10">
-            <a:extLst>
-              <a:ext uri="{FF2B5EF4-FFF2-40B4-BE49-F238E27FC236}">
-                <a16:creationId xmlns:a16="http://schemas.microsoft.com/office/drawing/2014/main" id="{E1247049-4158-40FE-A026-09B7E99AF1D1}"/>
-              </a:ext>
-            </a:extLst>
-          </p:cNvPr>
-          <p:cNvPicPr>
-            <a:picLocks noChangeAspect="1"/>
-          </p:cNvPicPr>
-          <p:nvPr/>
-        </p:nvPicPr>
-        <p:blipFill>
-          <a:blip r:embed="rId4"/>
-          <a:stretch>
-            <a:fillRect/>
-          </a:stretch>
-        </p:blipFill>
-        <p:spPr>
-          <a:xfrm>
-            <a:off x="3821502" y="1846198"/>
-            <a:ext cx="2072389" cy="2144892"/>
-          </a:xfrm>
-          <a:prstGeom prst="rect">
-            <a:avLst/>
-          </a:prstGeom>
-        </p:spPr>
-      </p:pic>
-      <p:sp>
-        <p:nvSpPr>
-          <p:cNvPr id="13" name="TextBox 12">
-            <a:extLst>
-              <a:ext uri="{FF2B5EF4-FFF2-40B4-BE49-F238E27FC236}">
-                <a16:creationId xmlns:a16="http://schemas.microsoft.com/office/drawing/2014/main" id="{07DDA399-687E-4F76-9962-75B4B0EA3ACE}"/>
-              </a:ext>
-            </a:extLst>
-          </p:cNvPr>
-          <p:cNvSpPr txBox="1"/>
-          <p:nvPr/>
-        </p:nvSpPr>
-        <p:spPr>
-          <a:xfrm>
-            <a:off x="7494534" y="1456351"/>
-            <a:ext cx="2709973" cy="338554"/>
-          </a:xfrm>
-          <a:prstGeom prst="rect">
-            <a:avLst/>
-          </a:prstGeom>
-          <a:noFill/>
-        </p:spPr>
-        <p:txBody>
-          <a:bodyPr wrap="none" rtlCol="0">
-            <a:spAutoFit/>
-          </a:bodyPr>
-          <a:lstStyle/>
-          <a:p>
-            <a:r>
-              <a:rPr lang="en-US" sz="1600" dirty="0">
-                <a:solidFill>
-                  <a:schemeClr val="bg1"/>
-                </a:solidFill>
-              </a:rPr>
-              <a:t>Learn window with DFT kernel</a:t>
-            </a:r>
-            <a:endParaRPr lang="en-IL" sz="1600" dirty="0">
-              <a:solidFill>
-                <a:schemeClr val="bg1"/>
-              </a:solidFill>
-            </a:endParaRPr>
-          </a:p>
-        </p:txBody>
-      </p:sp>
-      <p:pic>
-        <p:nvPicPr>
-          <p:cNvPr id="15" name="Picture 14">
-            <a:extLst>
-              <a:ext uri="{FF2B5EF4-FFF2-40B4-BE49-F238E27FC236}">
-                <a16:creationId xmlns:a16="http://schemas.microsoft.com/office/drawing/2014/main" id="{D79CFFB0-F3EA-4CB5-97AA-1F1B82503784}"/>
-              </a:ext>
-            </a:extLst>
-          </p:cNvPr>
-          <p:cNvPicPr>
-            <a:picLocks noChangeAspect="1"/>
-          </p:cNvPicPr>
-          <p:nvPr/>
-        </p:nvPicPr>
-        <p:blipFill>
-          <a:blip r:embed="rId5"/>
-          <a:stretch>
-            <a:fillRect/>
-          </a:stretch>
-        </p:blipFill>
-        <p:spPr>
-          <a:xfrm>
-            <a:off x="6797463" y="1841965"/>
-            <a:ext cx="2175175" cy="2149125"/>
-          </a:xfrm>
-          <a:prstGeom prst="rect">
-            <a:avLst/>
-          </a:prstGeom>
-        </p:spPr>
-      </p:pic>
-      <p:sp>
-        <p:nvSpPr>
-          <p:cNvPr id="18" name="TextBox 17">
-            <a:extLst>
-              <a:ext uri="{FF2B5EF4-FFF2-40B4-BE49-F238E27FC236}">
-                <a16:creationId xmlns:a16="http://schemas.microsoft.com/office/drawing/2014/main" id="{8C44DCFD-4B84-4618-85D1-1082108217DB}"/>
-              </a:ext>
-            </a:extLst>
-          </p:cNvPr>
-          <p:cNvSpPr txBox="1"/>
-          <p:nvPr/>
-        </p:nvSpPr>
-        <p:spPr>
-          <a:xfrm>
-            <a:off x="2206108" y="4305944"/>
-            <a:ext cx="2876365" cy="338554"/>
-          </a:xfrm>
-          <a:prstGeom prst="rect">
-            <a:avLst/>
-          </a:prstGeom>
-          <a:noFill/>
-        </p:spPr>
-        <p:txBody>
-          <a:bodyPr wrap="none" rtlCol="0">
-            <a:spAutoFit/>
-          </a:bodyPr>
-          <a:lstStyle/>
-          <a:p>
-            <a:r>
-              <a:rPr lang="en-US" sz="1600" dirty="0">
-                <a:solidFill>
-                  <a:schemeClr val="bg1"/>
-                </a:solidFill>
-              </a:rPr>
-              <a:t>DFT’s kernel coefficients change</a:t>
-            </a:r>
-            <a:endParaRPr lang="en-IL" sz="1600" dirty="0">
-              <a:solidFill>
-                <a:schemeClr val="bg1"/>
-              </a:solidFill>
-            </a:endParaRPr>
-          </a:p>
-        </p:txBody>
-      </p:sp>
-      <p:sp>
-        <p:nvSpPr>
-          <p:cNvPr id="19" name="TextBox 18">
-            <a:extLst>
-              <a:ext uri="{FF2B5EF4-FFF2-40B4-BE49-F238E27FC236}">
-                <a16:creationId xmlns:a16="http://schemas.microsoft.com/office/drawing/2014/main" id="{AB844AD5-4FA3-4190-8D95-E08CC36E070E}"/>
-              </a:ext>
-            </a:extLst>
-          </p:cNvPr>
-          <p:cNvSpPr txBox="1"/>
-          <p:nvPr/>
-        </p:nvSpPr>
-        <p:spPr>
-          <a:xfrm>
-            <a:off x="7146535" y="4305944"/>
-            <a:ext cx="2652842" cy="338554"/>
-          </a:xfrm>
-          <a:prstGeom prst="rect">
-            <a:avLst/>
-          </a:prstGeom>
-          <a:noFill/>
-        </p:spPr>
-        <p:txBody>
-          <a:bodyPr wrap="none" rtlCol="0">
-            <a:spAutoFit/>
-          </a:bodyPr>
-          <a:lstStyle/>
-          <a:p>
-            <a:r>
-              <a:rPr lang="en-US" sz="1600" dirty="0">
-                <a:solidFill>
-                  <a:schemeClr val="bg1"/>
-                </a:solidFill>
-              </a:rPr>
-              <a:t>Window’s coefficients change</a:t>
-            </a:r>
-            <a:endParaRPr lang="en-IL" sz="1600" dirty="0">
-              <a:solidFill>
-                <a:schemeClr val="bg1"/>
-              </a:solidFill>
-            </a:endParaRPr>
-          </a:p>
-        </p:txBody>
-      </p:sp>
     </p:spTree>
     <p:extLst>
       <p:ext uri="{BB962C8B-B14F-4D97-AF65-F5344CB8AC3E}">
-        <p14:creationId xmlns:p14="http://schemas.microsoft.com/office/powerpoint/2010/main" val="1694854749"/>
+        <p14:creationId xmlns:p14="http://schemas.microsoft.com/office/powerpoint/2010/main" val="782982527"/>
       </p:ext>
     </p:extLst>
   </p:cSld>
@@ -2682,6 +2578,470 @@
         </p:nvSpPr>
         <p:spPr/>
         <p:txBody>
+          <a:bodyPr>
+            <a:normAutofit/>
+          </a:bodyPr>
+          <a:lstStyle/>
+          <a:p>
+            <a:r>
+              <a:rPr lang="en-US" dirty="0"/>
+              <a:t>Our Results </a:t>
+            </a:r>
+            <a:r>
+              <a:rPr lang="en-US" sz="3200" dirty="0"/>
+              <a:t>Some of the learnable windows</a:t>
+            </a:r>
+            <a:endParaRPr lang="en-IL" dirty="0"/>
+          </a:p>
+        </p:txBody>
+      </p:sp>
+      <p:pic>
+        <p:nvPicPr>
+          <p:cNvPr id="4" name="Picture 3">
+            <a:extLst>
+              <a:ext uri="{FF2B5EF4-FFF2-40B4-BE49-F238E27FC236}">
+                <a16:creationId xmlns:a16="http://schemas.microsoft.com/office/drawing/2014/main" id="{A5546440-35E6-44FF-A75C-3F953933A7B3}"/>
+              </a:ext>
+            </a:extLst>
+          </p:cNvPr>
+          <p:cNvPicPr>
+            <a:picLocks noChangeAspect="1"/>
+          </p:cNvPicPr>
+          <p:nvPr/>
+        </p:nvPicPr>
+        <p:blipFill>
+          <a:blip r:embed="rId2"/>
+          <a:stretch>
+            <a:fillRect/>
+          </a:stretch>
+        </p:blipFill>
+        <p:spPr>
+          <a:xfrm>
+            <a:off x="752687" y="1841965"/>
+            <a:ext cx="2100186" cy="2138256"/>
+          </a:xfrm>
+          <a:prstGeom prst="rect">
+            <a:avLst/>
+          </a:prstGeom>
+        </p:spPr>
+      </p:pic>
+      <p:pic>
+        <p:nvPicPr>
+          <p:cNvPr id="7" name="Picture 6">
+            <a:extLst>
+              <a:ext uri="{FF2B5EF4-FFF2-40B4-BE49-F238E27FC236}">
+                <a16:creationId xmlns:a16="http://schemas.microsoft.com/office/drawing/2014/main" id="{6D4F8500-2A0E-4B2C-A7AC-EEBE265F84C0}"/>
+              </a:ext>
+            </a:extLst>
+          </p:cNvPr>
+          <p:cNvPicPr>
+            <a:picLocks noChangeAspect="1"/>
+          </p:cNvPicPr>
+          <p:nvPr/>
+        </p:nvPicPr>
+        <p:blipFill rotWithShape="1">
+          <a:blip r:embed="rId3"/>
+          <a:srcRect l="7708" t="4772" r="8512"/>
+          <a:stretch/>
+        </p:blipFill>
+        <p:spPr>
+          <a:xfrm>
+            <a:off x="9206913" y="1831095"/>
+            <a:ext cx="2146887" cy="2149125"/>
+          </a:xfrm>
+          <a:prstGeom prst="rect">
+            <a:avLst/>
+          </a:prstGeom>
+        </p:spPr>
+      </p:pic>
+      <p:sp>
+        <p:nvSpPr>
+          <p:cNvPr id="9" name="TextBox 8">
+            <a:extLst>
+              <a:ext uri="{FF2B5EF4-FFF2-40B4-BE49-F238E27FC236}">
+                <a16:creationId xmlns:a16="http://schemas.microsoft.com/office/drawing/2014/main" id="{41E02F09-8230-4599-BDBA-CB0FA959C0BB}"/>
+              </a:ext>
+            </a:extLst>
+          </p:cNvPr>
+          <p:cNvSpPr txBox="1"/>
+          <p:nvPr/>
+        </p:nvSpPr>
+        <p:spPr>
+          <a:xfrm>
+            <a:off x="415154" y="1444168"/>
+            <a:ext cx="2492862" cy="338554"/>
+          </a:xfrm>
+          <a:prstGeom prst="rect">
+            <a:avLst/>
+          </a:prstGeom>
+          <a:noFill/>
+        </p:spPr>
+        <p:txBody>
+          <a:bodyPr wrap="none" rtlCol="0">
+            <a:spAutoFit/>
+          </a:bodyPr>
+          <a:lstStyle/>
+          <a:p>
+            <a:r>
+              <a:rPr lang="en-US" sz="1600" dirty="0">
+                <a:solidFill>
+                  <a:schemeClr val="bg1"/>
+                </a:solidFill>
+              </a:rPr>
+              <a:t>Initiated with Hann window</a:t>
+            </a:r>
+            <a:endParaRPr lang="en-IL" sz="1600" dirty="0">
+              <a:solidFill>
+                <a:schemeClr val="bg1"/>
+              </a:solidFill>
+            </a:endParaRPr>
+          </a:p>
+        </p:txBody>
+      </p:sp>
+      <p:sp>
+        <p:nvSpPr>
+          <p:cNvPr id="10" name="TextBox 9">
+            <a:extLst>
+              <a:ext uri="{FF2B5EF4-FFF2-40B4-BE49-F238E27FC236}">
+                <a16:creationId xmlns:a16="http://schemas.microsoft.com/office/drawing/2014/main" id="{71598F59-9F8D-4279-ABA6-2EC59BB737A9}"/>
+              </a:ext>
+            </a:extLst>
+          </p:cNvPr>
+          <p:cNvSpPr txBox="1"/>
+          <p:nvPr/>
+        </p:nvSpPr>
+        <p:spPr>
+          <a:xfrm>
+            <a:off x="3266629" y="1444168"/>
+            <a:ext cx="2995307" cy="338554"/>
+          </a:xfrm>
+          <a:prstGeom prst="rect">
+            <a:avLst/>
+          </a:prstGeom>
+          <a:noFill/>
+        </p:spPr>
+        <p:txBody>
+          <a:bodyPr wrap="none" rtlCol="0">
+            <a:spAutoFit/>
+          </a:bodyPr>
+          <a:lstStyle/>
+          <a:p>
+            <a:r>
+              <a:rPr lang="en-US" sz="1600" dirty="0">
+                <a:solidFill>
+                  <a:schemeClr val="bg1"/>
+                </a:solidFill>
+              </a:rPr>
+              <a:t>Learn window without DFT kernel</a:t>
+            </a:r>
+            <a:endParaRPr lang="en-IL" sz="1600" dirty="0">
+              <a:solidFill>
+                <a:schemeClr val="bg1"/>
+              </a:solidFill>
+            </a:endParaRPr>
+          </a:p>
+        </p:txBody>
+      </p:sp>
+      <p:pic>
+        <p:nvPicPr>
+          <p:cNvPr id="11" name="Picture 10">
+            <a:extLst>
+              <a:ext uri="{FF2B5EF4-FFF2-40B4-BE49-F238E27FC236}">
+                <a16:creationId xmlns:a16="http://schemas.microsoft.com/office/drawing/2014/main" id="{E1247049-4158-40FE-A026-09B7E99AF1D1}"/>
+              </a:ext>
+            </a:extLst>
+          </p:cNvPr>
+          <p:cNvPicPr>
+            <a:picLocks noChangeAspect="1"/>
+          </p:cNvPicPr>
+          <p:nvPr/>
+        </p:nvPicPr>
+        <p:blipFill>
+          <a:blip r:embed="rId4"/>
+          <a:stretch>
+            <a:fillRect/>
+          </a:stretch>
+        </p:blipFill>
+        <p:spPr>
+          <a:xfrm>
+            <a:off x="3821502" y="1846198"/>
+            <a:ext cx="2072389" cy="2144892"/>
+          </a:xfrm>
+          <a:prstGeom prst="rect">
+            <a:avLst/>
+          </a:prstGeom>
+        </p:spPr>
+      </p:pic>
+      <p:sp>
+        <p:nvSpPr>
+          <p:cNvPr id="13" name="TextBox 12">
+            <a:extLst>
+              <a:ext uri="{FF2B5EF4-FFF2-40B4-BE49-F238E27FC236}">
+                <a16:creationId xmlns:a16="http://schemas.microsoft.com/office/drawing/2014/main" id="{07DDA399-687E-4F76-9962-75B4B0EA3ACE}"/>
+              </a:ext>
+            </a:extLst>
+          </p:cNvPr>
+          <p:cNvSpPr txBox="1"/>
+          <p:nvPr/>
+        </p:nvSpPr>
+        <p:spPr>
+          <a:xfrm>
+            <a:off x="7494534" y="1456351"/>
+            <a:ext cx="2709973" cy="338554"/>
+          </a:xfrm>
+          <a:prstGeom prst="rect">
+            <a:avLst/>
+          </a:prstGeom>
+          <a:noFill/>
+        </p:spPr>
+        <p:txBody>
+          <a:bodyPr wrap="none" rtlCol="0">
+            <a:spAutoFit/>
+          </a:bodyPr>
+          <a:lstStyle/>
+          <a:p>
+            <a:r>
+              <a:rPr lang="en-US" sz="1600" dirty="0">
+                <a:solidFill>
+                  <a:schemeClr val="bg1"/>
+                </a:solidFill>
+              </a:rPr>
+              <a:t>Learn window with DFT kernel</a:t>
+            </a:r>
+            <a:endParaRPr lang="en-IL" sz="1600" dirty="0">
+              <a:solidFill>
+                <a:schemeClr val="bg1"/>
+              </a:solidFill>
+            </a:endParaRPr>
+          </a:p>
+        </p:txBody>
+      </p:sp>
+      <p:pic>
+        <p:nvPicPr>
+          <p:cNvPr id="15" name="Picture 14">
+            <a:extLst>
+              <a:ext uri="{FF2B5EF4-FFF2-40B4-BE49-F238E27FC236}">
+                <a16:creationId xmlns:a16="http://schemas.microsoft.com/office/drawing/2014/main" id="{D79CFFB0-F3EA-4CB5-97AA-1F1B82503784}"/>
+              </a:ext>
+            </a:extLst>
+          </p:cNvPr>
+          <p:cNvPicPr>
+            <a:picLocks noChangeAspect="1"/>
+          </p:cNvPicPr>
+          <p:nvPr/>
+        </p:nvPicPr>
+        <p:blipFill>
+          <a:blip r:embed="rId5"/>
+          <a:stretch>
+            <a:fillRect/>
+          </a:stretch>
+        </p:blipFill>
+        <p:spPr>
+          <a:xfrm>
+            <a:off x="6797463" y="1841965"/>
+            <a:ext cx="2175175" cy="2149125"/>
+          </a:xfrm>
+          <a:prstGeom prst="rect">
+            <a:avLst/>
+          </a:prstGeom>
+        </p:spPr>
+      </p:pic>
+      <p:sp>
+        <p:nvSpPr>
+          <p:cNvPr id="18" name="TextBox 17">
+            <a:extLst>
+              <a:ext uri="{FF2B5EF4-FFF2-40B4-BE49-F238E27FC236}">
+                <a16:creationId xmlns:a16="http://schemas.microsoft.com/office/drawing/2014/main" id="{8C44DCFD-4B84-4618-85D1-1082108217DB}"/>
+              </a:ext>
+            </a:extLst>
+          </p:cNvPr>
+          <p:cNvSpPr txBox="1"/>
+          <p:nvPr/>
+        </p:nvSpPr>
+        <p:spPr>
+          <a:xfrm>
+            <a:off x="2206108" y="4305944"/>
+            <a:ext cx="2876365" cy="338554"/>
+          </a:xfrm>
+          <a:prstGeom prst="rect">
+            <a:avLst/>
+          </a:prstGeom>
+          <a:noFill/>
+        </p:spPr>
+        <p:txBody>
+          <a:bodyPr wrap="none" rtlCol="0">
+            <a:spAutoFit/>
+          </a:bodyPr>
+          <a:lstStyle/>
+          <a:p>
+            <a:r>
+              <a:rPr lang="en-US" sz="1600" dirty="0">
+                <a:solidFill>
+                  <a:schemeClr val="bg1"/>
+                </a:solidFill>
+              </a:rPr>
+              <a:t>DFT’s kernel coefficients change</a:t>
+            </a:r>
+            <a:endParaRPr lang="en-IL" sz="1600" dirty="0">
+              <a:solidFill>
+                <a:schemeClr val="bg1"/>
+              </a:solidFill>
+            </a:endParaRPr>
+          </a:p>
+        </p:txBody>
+      </p:sp>
+      <p:sp>
+        <p:nvSpPr>
+          <p:cNvPr id="19" name="TextBox 18">
+            <a:extLst>
+              <a:ext uri="{FF2B5EF4-FFF2-40B4-BE49-F238E27FC236}">
+                <a16:creationId xmlns:a16="http://schemas.microsoft.com/office/drawing/2014/main" id="{AB844AD5-4FA3-4190-8D95-E08CC36E070E}"/>
+              </a:ext>
+            </a:extLst>
+          </p:cNvPr>
+          <p:cNvSpPr txBox="1"/>
+          <p:nvPr/>
+        </p:nvSpPr>
+        <p:spPr>
+          <a:xfrm>
+            <a:off x="7146535" y="4305944"/>
+            <a:ext cx="2652842" cy="338554"/>
+          </a:xfrm>
+          <a:prstGeom prst="rect">
+            <a:avLst/>
+          </a:prstGeom>
+          <a:noFill/>
+        </p:spPr>
+        <p:txBody>
+          <a:bodyPr wrap="none" rtlCol="0">
+            <a:spAutoFit/>
+          </a:bodyPr>
+          <a:lstStyle/>
+          <a:p>
+            <a:r>
+              <a:rPr lang="en-US" sz="1600" dirty="0">
+                <a:solidFill>
+                  <a:schemeClr val="bg1"/>
+                </a:solidFill>
+              </a:rPr>
+              <a:t>Window’s coefficients change</a:t>
+            </a:r>
+            <a:endParaRPr lang="en-IL" sz="1600" dirty="0">
+              <a:solidFill>
+                <a:schemeClr val="bg1"/>
+              </a:solidFill>
+            </a:endParaRPr>
+          </a:p>
+        </p:txBody>
+      </p:sp>
+      <p:pic>
+        <p:nvPicPr>
+          <p:cNvPr id="21" name="Picture 20">
+            <a:extLst>
+              <a:ext uri="{FF2B5EF4-FFF2-40B4-BE49-F238E27FC236}">
+                <a16:creationId xmlns:a16="http://schemas.microsoft.com/office/drawing/2014/main" id="{1F9E84B6-283C-4AC5-AB0F-69122CEF4678}"/>
+              </a:ext>
+            </a:extLst>
+          </p:cNvPr>
+          <p:cNvPicPr>
+            <a:picLocks noChangeAspect="1"/>
+          </p:cNvPicPr>
+          <p:nvPr/>
+        </p:nvPicPr>
+        <p:blipFill>
+          <a:blip r:embed="rId6"/>
+          <a:stretch>
+            <a:fillRect/>
+          </a:stretch>
+        </p:blipFill>
+        <p:spPr>
+          <a:xfrm>
+            <a:off x="2265652" y="4648811"/>
+            <a:ext cx="2764428" cy="1941770"/>
+          </a:xfrm>
+          <a:prstGeom prst="rect">
+            <a:avLst/>
+          </a:prstGeom>
+        </p:spPr>
+      </p:pic>
+      <p:pic>
+        <p:nvPicPr>
+          <p:cNvPr id="23" name="Picture 22">
+            <a:extLst>
+              <a:ext uri="{FF2B5EF4-FFF2-40B4-BE49-F238E27FC236}">
+                <a16:creationId xmlns:a16="http://schemas.microsoft.com/office/drawing/2014/main" id="{4DF82CE3-44C5-4F7A-B4AB-D2D5431B5308}"/>
+              </a:ext>
+            </a:extLst>
+          </p:cNvPr>
+          <p:cNvPicPr>
+            <a:picLocks noChangeAspect="1"/>
+          </p:cNvPicPr>
+          <p:nvPr/>
+        </p:nvPicPr>
+        <p:blipFill>
+          <a:blip r:embed="rId7"/>
+          <a:stretch>
+            <a:fillRect/>
+          </a:stretch>
+        </p:blipFill>
+        <p:spPr>
+          <a:xfrm>
+            <a:off x="7146534" y="4633628"/>
+            <a:ext cx="2851341" cy="1956953"/>
+          </a:xfrm>
+          <a:prstGeom prst="rect">
+            <a:avLst/>
+          </a:prstGeom>
+        </p:spPr>
+      </p:pic>
+    </p:spTree>
+    <p:extLst>
+      <p:ext uri="{BB962C8B-B14F-4D97-AF65-F5344CB8AC3E}">
+        <p14:creationId xmlns:p14="http://schemas.microsoft.com/office/powerpoint/2010/main" val="1694854749"/>
+      </p:ext>
+    </p:extLst>
+  </p:cSld>
+  <p:clrMapOvr>
+    <a:masterClrMapping/>
+  </p:clrMapOvr>
+</p:sld>
+</file>
+
+<file path=ppt/slides/slide17.xml><?xml version="1.0" encoding="utf-8"?>
+<p:sld xmlns:a="http://schemas.openxmlformats.org/drawingml/2006/main" xmlns:r="http://schemas.openxmlformats.org/officeDocument/2006/relationships" xmlns:p="http://schemas.openxmlformats.org/presentationml/2006/main">
+  <p:cSld>
+    <p:spTree>
+      <p:nvGrpSpPr>
+        <p:cNvPr id="1" name=""/>
+        <p:cNvGrpSpPr/>
+        <p:nvPr/>
+      </p:nvGrpSpPr>
+      <p:grpSpPr>
+        <a:xfrm>
+          <a:off x="0" y="0"/>
+          <a:ext cx="0" cy="0"/>
+          <a:chOff x="0" y="0"/>
+          <a:chExt cx="0" cy="0"/>
+        </a:xfrm>
+      </p:grpSpPr>
+      <p:sp>
+        <p:nvSpPr>
+          <p:cNvPr id="2" name="Title 1">
+            <a:extLst>
+              <a:ext uri="{FF2B5EF4-FFF2-40B4-BE49-F238E27FC236}">
+                <a16:creationId xmlns:a16="http://schemas.microsoft.com/office/drawing/2014/main" id="{3817CED1-4C79-45BA-956A-A81A35D8D3C8}"/>
+              </a:ext>
+            </a:extLst>
+          </p:cNvPr>
+          <p:cNvSpPr>
+            <a:spLocks noGrp="1"/>
+          </p:cNvSpPr>
+          <p:nvPr>
+            <p:ph type="title"/>
+          </p:nvPr>
+        </p:nvSpPr>
+        <p:spPr/>
+        <p:txBody>
           <a:bodyPr/>
           <a:lstStyle/>
           <a:p>
@@ -2777,7 +3137,7 @@
 </p:sld>
 </file>
 
-<file path=ppt/slides/slide17.xml><?xml version="1.0" encoding="utf-8"?>
+<file path=ppt/slides/slide18.xml><?xml version="1.0" encoding="utf-8"?>
 <p:sld xmlns:a="http://schemas.openxmlformats.org/drawingml/2006/main" xmlns:r="http://schemas.openxmlformats.org/officeDocument/2006/relationships" xmlns:p="http://schemas.openxmlformats.org/presentationml/2006/main">
   <p:cSld>
     <p:spTree>

--- a/images/AdaSTFT.pptx
+++ b/images/AdaSTFT.pptx
@@ -2994,6 +2994,36 @@
           </a:prstGeom>
         </p:spPr>
       </p:pic>
+      <p:pic>
+        <p:nvPicPr>
+          <p:cNvPr id="24" name="Picture 23">
+            <a:extLst>
+              <a:ext uri="{FF2B5EF4-FFF2-40B4-BE49-F238E27FC236}">
+                <a16:creationId xmlns:a16="http://schemas.microsoft.com/office/drawing/2014/main" id="{98710F0F-76BD-49BF-971D-9D168910BCCA}"/>
+              </a:ext>
+            </a:extLst>
+          </p:cNvPr>
+          <p:cNvPicPr>
+            <a:picLocks noChangeAspect="1"/>
+          </p:cNvPicPr>
+          <p:nvPr/>
+        </p:nvPicPr>
+        <p:blipFill>
+          <a:blip r:embed="rId8"/>
+          <a:stretch>
+            <a:fillRect/>
+          </a:stretch>
+        </p:blipFill>
+        <p:spPr>
+          <a:xfrm>
+            <a:off x="5233670" y="4780881"/>
+            <a:ext cx="1709274" cy="1662446"/>
+          </a:xfrm>
+          <a:prstGeom prst="rect">
+            <a:avLst/>
+          </a:prstGeom>
+        </p:spPr>
+      </p:pic>
     </p:spTree>
     <p:extLst>
       <p:ext uri="{BB962C8B-B14F-4D97-AF65-F5344CB8AC3E}">
@@ -3172,14 +3202,16 @@
         </p:nvSpPr>
         <p:spPr/>
         <p:txBody>
-          <a:bodyPr/>
+          <a:bodyPr>
+            <a:normAutofit/>
+          </a:bodyPr>
           <a:lstStyle/>
           <a:p>
             <a:r>
-              <a:rPr lang="en-US" dirty="0"/>
+              <a:rPr lang="en-US" sz="8000" dirty="0"/>
               <a:t>Thanks for listening!</a:t>
             </a:r>
-            <a:endParaRPr lang="en-IL" dirty="0"/>
+            <a:endParaRPr lang="en-IL" sz="8000" dirty="0"/>
           </a:p>
         </p:txBody>
       </p:sp>

--- a/images/AdaSTFT.pptx
+++ b/images/AdaSTFT.pptx
@@ -1239,7 +1239,7 @@
 </file>
 
 <file path=ppt/slides/slide10.xml><?xml version="1.0" encoding="utf-8"?>
-<p:sld xmlns:a="http://schemas.openxmlformats.org/drawingml/2006/main" xmlns:r="http://schemas.openxmlformats.org/officeDocument/2006/relationships" xmlns:p="http://schemas.openxmlformats.org/presentationml/2006/main">
+<p:sld xmlns:a="http://schemas.openxmlformats.org/drawingml/2006/main" xmlns:r="http://schemas.openxmlformats.org/officeDocument/2006/relationships" xmlns:p="http://schemas.openxmlformats.org/presentationml/2006/main" show="0">
   <p:cSld>
     <p:spTree>
       <p:nvGrpSpPr>
@@ -1606,13 +1606,9 @@
           <a:p>
             <a:r>
               <a:rPr lang="en-US" dirty="0"/>
-              <a:t>Our Results </a:t>
-            </a:r>
-            <a:r>
-              <a:rPr lang="en-US" sz="3200" dirty="0"/>
-              <a:t>Train Loss</a:t>
-            </a:r>
-            <a:endParaRPr lang="en-IL" sz="3200" dirty="0"/>
+              <a:t>Our Results - Train Loss</a:t>
+            </a:r>
+            <a:endParaRPr lang="en-IL" dirty="0"/>
           </a:p>
         </p:txBody>
       </p:sp>
@@ -1737,13 +1733,9 @@
           <a:p>
             <a:r>
               <a:rPr lang="en-US" dirty="0"/>
-              <a:t>Our Results </a:t>
-            </a:r>
-            <a:r>
-              <a:rPr lang="en-US" sz="3200" dirty="0"/>
-              <a:t>Validation Accuracy</a:t>
-            </a:r>
-            <a:endParaRPr lang="en-IL" sz="3200" dirty="0"/>
+              <a:t>Our Results - Validation Accuracy</a:t>
+            </a:r>
+            <a:endParaRPr lang="en-IL" dirty="0"/>
           </a:p>
         </p:txBody>
       </p:sp>
@@ -1861,18 +1853,16 @@
         </p:nvSpPr>
         <p:spPr/>
         <p:txBody>
-          <a:bodyPr/>
+          <a:bodyPr>
+            <a:normAutofit fontScale="90000"/>
+          </a:bodyPr>
           <a:lstStyle/>
           <a:p>
             <a:r>
               <a:rPr lang="en-US" dirty="0"/>
-              <a:t>Our Results </a:t>
-            </a:r>
-            <a:r>
-              <a:rPr lang="en-US" sz="3200" dirty="0"/>
-              <a:t>Validation Accuracy - best</a:t>
-            </a:r>
-            <a:endParaRPr lang="en-IL" sz="3200" dirty="0"/>
+              <a:t>Our Results - Validation Accuracy (best)</a:t>
+            </a:r>
+            <a:endParaRPr lang="en-IL" dirty="0"/>
           </a:p>
         </p:txBody>
       </p:sp>
@@ -2446,13 +2436,9 @@
           <a:p>
             <a:r>
               <a:rPr lang="en-US" dirty="0"/>
-              <a:t>Our Results </a:t>
-            </a:r>
-            <a:r>
-              <a:rPr lang="en-US" sz="3200" dirty="0"/>
-              <a:t>Test Accuracy</a:t>
-            </a:r>
-            <a:endParaRPr lang="en-IL" sz="3200" dirty="0"/>
+              <a:t>Our Results - Test Accuracy</a:t>
+            </a:r>
+            <a:endParaRPr lang="en-IL" dirty="0"/>
           </a:p>
         </p:txBody>
       </p:sp>
@@ -2585,11 +2571,7 @@
           <a:p>
             <a:r>
               <a:rPr lang="en-US" dirty="0"/>
-              <a:t>Our Results </a:t>
-            </a:r>
-            <a:r>
-              <a:rPr lang="en-US" sz="3200" dirty="0"/>
-              <a:t>Some of the learnable windows</a:t>
+              <a:t>Our Results  - learned windows</a:t>
             </a:r>
             <a:endParaRPr lang="en-IL" dirty="0"/>
           </a:p>
@@ -3112,28 +3094,12 @@
             <a:pPr lvl="1"/>
             <a:r>
               <a:rPr lang="en-US" sz="2800" dirty="0"/>
-              <a:t>Ada-STFT might be useful in those type’s of 1D tasks</a:t>
-            </a:r>
-          </a:p>
-          <a:p>
-            <a:pPr lvl="1"/>
-            <a:r>
-              <a:rPr lang="en-US" sz="2800" dirty="0"/>
-              <a:t>I</a:t>
-            </a:r>
-            <a:r>
-              <a:rPr lang="en-US" sz="2800" dirty="0">
-                <a:solidFill>
-                  <a:schemeClr val="bg1"/>
-                </a:solidFill>
-              </a:rPr>
-              <a:t>f we have had more time for this project, we would have worked more on hyper-parameter tuning</a:t>
-            </a:r>
-            <a:endParaRPr lang="en-IL" sz="2800" dirty="0">
-              <a:solidFill>
-                <a:schemeClr val="bg1"/>
-              </a:solidFill>
-            </a:endParaRPr>
+              <a:t>Ada-STFT might be useful in those type’s of </a:t>
+            </a:r>
+            <a:r>
+              <a:rPr lang="en-US" sz="2800"/>
+              <a:t>1D tasks</a:t>
+            </a:r>
           </a:p>
           <a:p>
             <a:pPr lvl="1"/>
@@ -4097,7 +4063,13 @@
                             <a:rPr lang="en-US" sz="3200" i="1">
                               <a:latin typeface="Cambria Math" panose="02040503050406030204" pitchFamily="18" charset="0"/>
                             </a:rPr>
-                            <m:t>=−∞</m:t>
+                            <m:t>=−</m:t>
+                          </m:r>
+                          <m:r>
+                            <a:rPr lang="en-US" sz="3200" i="1">
+                              <a:latin typeface="Cambria Math" panose="02040503050406030204" pitchFamily="18" charset="0"/>
+                            </a:rPr>
+                            <m:t>∞</m:t>
                           </m:r>
                         </m:sub>
                         <m:sup>
